--- a/docs/presentations/20210607/slides.pptx
+++ b/docs/presentations/20210607/slides.pptx
@@ -6,10 +6,10 @@
     <p:sldMasterId id="2147483654" r:id="rId5"/>
   </p:sldMasterIdLst>
   <p:notesMasterIdLst>
-    <p:notesMasterId r:id="rId17"/>
+    <p:notesMasterId r:id="rId18"/>
   </p:notesMasterIdLst>
   <p:handoutMasterIdLst>
-    <p:handoutMasterId r:id="rId18"/>
+    <p:handoutMasterId r:id="rId19"/>
   </p:handoutMasterIdLst>
   <p:sldIdLst>
     <p:sldId id="288" r:id="rId6"/>
@@ -21,8 +21,9 @@
     <p:sldId id="326" r:id="rId12"/>
     <p:sldId id="332" r:id="rId13"/>
     <p:sldId id="323" r:id="rId14"/>
-    <p:sldId id="330" r:id="rId15"/>
-    <p:sldId id="328" r:id="rId16"/>
+    <p:sldId id="333" r:id="rId15"/>
+    <p:sldId id="330" r:id="rId16"/>
+    <p:sldId id="328" r:id="rId17"/>
   </p:sldIdLst>
   <p:sldSz cx="12192000" cy="6858000"/>
   <p:notesSz cx="6794500" cy="9931400"/>
@@ -183,979 +184,13 @@
 <p1510:revInfo xmlns:a="http://schemas.openxmlformats.org/drawingml/2006/main" xmlns:r="http://schemas.openxmlformats.org/officeDocument/2006/relationships" xmlns:p1510="http://schemas.microsoft.com/office/powerpoint/2015/10/main">
   <p1510:revLst>
     <p1510:client id="{DF0DE5FE-C3FC-4DFD-AA4A-24BCEA060E47}" v="31" dt="2021-06-06T22:59:18.393"/>
+    <p1510:client id="{E36E45B3-E198-6188-927C-C5368E2754D6}" v="75" dt="2021-06-07T11:01:08.102"/>
   </p1510:revLst>
 </p1510:revInfo>
 </file>
 
 <file path=ppt/changesInfos/changesInfo1.xml><?xml version="1.0" encoding="utf-8"?>
 <pc:chgInfo xmlns:a="http://schemas.openxmlformats.org/drawingml/2006/main" xmlns:r="http://schemas.openxmlformats.org/officeDocument/2006/relationships" xmlns:ac="http://schemas.microsoft.com/office/drawing/2013/main/command" xmlns:pc="http://schemas.microsoft.com/office/powerpoint/2013/main/command">
-  <pc:docChgLst>
-    <pc:chgData name="Matthew Suderman" userId="2709995e-3ea8-4fb0-9b62-eb8034dec529" providerId="ADAL" clId="{4929D89B-CC43-4C41-92A5-3ABC52AE066B}"/>
-    <pc:docChg chg="undo custSel addSld delSld modSld sldOrd modMainMaster">
-      <pc:chgData name="Matthew Suderman" userId="2709995e-3ea8-4fb0-9b62-eb8034dec529" providerId="ADAL" clId="{4929D89B-CC43-4C41-92A5-3ABC52AE066B}" dt="2021-05-09T23:36:15.162" v="8344" actId="1076"/>
-      <pc:docMkLst>
-        <pc:docMk/>
-      </pc:docMkLst>
-      <pc:sldChg chg="modSp mod">
-        <pc:chgData name="Matthew Suderman" userId="2709995e-3ea8-4fb0-9b62-eb8034dec529" providerId="ADAL" clId="{4929D89B-CC43-4C41-92A5-3ABC52AE066B}" dt="2021-05-08T21:25:25.709" v="184" actId="20577"/>
-        <pc:sldMkLst>
-          <pc:docMk/>
-          <pc:sldMk cId="0" sldId="288"/>
-        </pc:sldMkLst>
-        <pc:spChg chg="mod">
-          <ac:chgData name="Matthew Suderman" userId="2709995e-3ea8-4fb0-9b62-eb8034dec529" providerId="ADAL" clId="{4929D89B-CC43-4C41-92A5-3ABC52AE066B}" dt="2021-05-08T21:25:25.709" v="184" actId="20577"/>
-          <ac:spMkLst>
-            <pc:docMk/>
-            <pc:sldMk cId="0" sldId="288"/>
-            <ac:spMk id="3" creationId="{00000000-0000-0000-0000-000000000000}"/>
-          </ac:spMkLst>
-        </pc:spChg>
-      </pc:sldChg>
-      <pc:sldChg chg="addSp delSp modSp mod">
-        <pc:chgData name="Matthew Suderman" userId="2709995e-3ea8-4fb0-9b62-eb8034dec529" providerId="ADAL" clId="{4929D89B-CC43-4C41-92A5-3ABC52AE066B}" dt="2021-05-08T22:10:57.577" v="911" actId="1076"/>
-        <pc:sldMkLst>
-          <pc:docMk/>
-          <pc:sldMk cId="0" sldId="318"/>
-        </pc:sldMkLst>
-        <pc:spChg chg="mod">
-          <ac:chgData name="Matthew Suderman" userId="2709995e-3ea8-4fb0-9b62-eb8034dec529" providerId="ADAL" clId="{4929D89B-CC43-4C41-92A5-3ABC52AE066B}" dt="2021-05-08T21:43:49.766" v="201" actId="20577"/>
-          <ac:spMkLst>
-            <pc:docMk/>
-            <pc:sldMk cId="0" sldId="318"/>
-            <ac:spMk id="2" creationId="{00000000-0000-0000-0000-000000000000}"/>
-          </ac:spMkLst>
-        </pc:spChg>
-        <pc:spChg chg="del">
-          <ac:chgData name="Matthew Suderman" userId="2709995e-3ea8-4fb0-9b62-eb8034dec529" providerId="ADAL" clId="{4929D89B-CC43-4C41-92A5-3ABC52AE066B}" dt="2021-05-08T21:44:02.088" v="202" actId="3680"/>
-          <ac:spMkLst>
-            <pc:docMk/>
-            <pc:sldMk cId="0" sldId="318"/>
-            <ac:spMk id="3" creationId="{00000000-0000-0000-0000-000000000000}"/>
-          </ac:spMkLst>
-        </pc:spChg>
-        <pc:graphicFrameChg chg="add mod ord modGraphic">
-          <ac:chgData name="Matthew Suderman" userId="2709995e-3ea8-4fb0-9b62-eb8034dec529" providerId="ADAL" clId="{4929D89B-CC43-4C41-92A5-3ABC52AE066B}" dt="2021-05-08T22:10:57.577" v="911" actId="1076"/>
-          <ac:graphicFrameMkLst>
-            <pc:docMk/>
-            <pc:sldMk cId="0" sldId="318"/>
-            <ac:graphicFrameMk id="4" creationId="{F534F4DB-5FFD-47BE-B9BC-84765E6BA4F9}"/>
-          </ac:graphicFrameMkLst>
-        </pc:graphicFrameChg>
-      </pc:sldChg>
-      <pc:sldChg chg="modSp add mod">
-        <pc:chgData name="Matthew Suderman" userId="2709995e-3ea8-4fb0-9b62-eb8034dec529" providerId="ADAL" clId="{4929D89B-CC43-4C41-92A5-3ABC52AE066B}" dt="2021-05-08T22:53:36.518" v="1685" actId="20577"/>
-        <pc:sldMkLst>
-          <pc:docMk/>
-          <pc:sldMk cId="2336004713" sldId="319"/>
-        </pc:sldMkLst>
-        <pc:spChg chg="mod">
-          <ac:chgData name="Matthew Suderman" userId="2709995e-3ea8-4fb0-9b62-eb8034dec529" providerId="ADAL" clId="{4929D89B-CC43-4C41-92A5-3ABC52AE066B}" dt="2021-05-08T21:49:18.135" v="591" actId="20577"/>
-          <ac:spMkLst>
-            <pc:docMk/>
-            <pc:sldMk cId="2336004713" sldId="319"/>
-            <ac:spMk id="2" creationId="{00000000-0000-0000-0000-000000000000}"/>
-          </ac:spMkLst>
-        </pc:spChg>
-        <pc:graphicFrameChg chg="mod modGraphic">
-          <ac:chgData name="Matthew Suderman" userId="2709995e-3ea8-4fb0-9b62-eb8034dec529" providerId="ADAL" clId="{4929D89B-CC43-4C41-92A5-3ABC52AE066B}" dt="2021-05-08T22:53:36.518" v="1685" actId="20577"/>
-          <ac:graphicFrameMkLst>
-            <pc:docMk/>
-            <pc:sldMk cId="2336004713" sldId="319"/>
-            <ac:graphicFrameMk id="4" creationId="{F534F4DB-5FFD-47BE-B9BC-84765E6BA4F9}"/>
-          </ac:graphicFrameMkLst>
-        </pc:graphicFrameChg>
-      </pc:sldChg>
-      <pc:sldChg chg="addSp modSp new mod ord modClrScheme modAnim chgLayout">
-        <pc:chgData name="Matthew Suderman" userId="2709995e-3ea8-4fb0-9b62-eb8034dec529" providerId="ADAL" clId="{4929D89B-CC43-4C41-92A5-3ABC52AE066B}" dt="2021-05-09T20:33:09.319" v="2492"/>
-        <pc:sldMkLst>
-          <pc:docMk/>
-          <pc:sldMk cId="816193040" sldId="320"/>
-        </pc:sldMkLst>
-        <pc:spChg chg="mod ord">
-          <ac:chgData name="Matthew Suderman" userId="2709995e-3ea8-4fb0-9b62-eb8034dec529" providerId="ADAL" clId="{4929D89B-CC43-4C41-92A5-3ABC52AE066B}" dt="2021-05-08T23:11:59.618" v="1842" actId="20577"/>
-          <ac:spMkLst>
-            <pc:docMk/>
-            <pc:sldMk cId="816193040" sldId="320"/>
-            <ac:spMk id="2" creationId="{8238EA50-B781-4F75-B83E-DEFBABA4C919}"/>
-          </ac:spMkLst>
-        </pc:spChg>
-        <pc:spChg chg="mod ord">
-          <ac:chgData name="Matthew Suderman" userId="2709995e-3ea8-4fb0-9b62-eb8034dec529" providerId="ADAL" clId="{4929D89B-CC43-4C41-92A5-3ABC52AE066B}" dt="2021-05-09T20:32:08.594" v="2486" actId="113"/>
-          <ac:spMkLst>
-            <pc:docMk/>
-            <pc:sldMk cId="816193040" sldId="320"/>
-            <ac:spMk id="3" creationId="{6EFCEF31-A54D-4EC8-9CC8-3E8AFF6778AA}"/>
-          </ac:spMkLst>
-        </pc:spChg>
-        <pc:spChg chg="add mod ord">
-          <ac:chgData name="Matthew Suderman" userId="2709995e-3ea8-4fb0-9b62-eb8034dec529" providerId="ADAL" clId="{4929D89B-CC43-4C41-92A5-3ABC52AE066B}" dt="2021-05-09T20:32:22.077" v="2489" actId="20577"/>
-          <ac:spMkLst>
-            <pc:docMk/>
-            <pc:sldMk cId="816193040" sldId="320"/>
-            <ac:spMk id="4" creationId="{1C502A0C-F5D0-419A-B089-87B3FA139A23}"/>
-          </ac:spMkLst>
-        </pc:spChg>
-        <pc:picChg chg="add mod">
-          <ac:chgData name="Matthew Suderman" userId="2709995e-3ea8-4fb0-9b62-eb8034dec529" providerId="ADAL" clId="{4929D89B-CC43-4C41-92A5-3ABC52AE066B}" dt="2021-05-08T23:23:37.903" v="1896"/>
-          <ac:picMkLst>
-            <pc:docMk/>
-            <pc:sldMk cId="816193040" sldId="320"/>
-            <ac:picMk id="1026" creationId="{9CF13C15-4CA1-4012-B1AD-71CAA507D139}"/>
-          </ac:picMkLst>
-        </pc:picChg>
-      </pc:sldChg>
-      <pc:sldChg chg="addSp delSp modSp new mod modClrScheme chgLayout">
-        <pc:chgData name="Matthew Suderman" userId="2709995e-3ea8-4fb0-9b62-eb8034dec529" providerId="ADAL" clId="{4929D89B-CC43-4C41-92A5-3ABC52AE066B}" dt="2021-05-08T23:38:53.926" v="2213" actId="20577"/>
-        <pc:sldMkLst>
-          <pc:docMk/>
-          <pc:sldMk cId="141314306" sldId="321"/>
-        </pc:sldMkLst>
-        <pc:spChg chg="del mod ord">
-          <ac:chgData name="Matthew Suderman" userId="2709995e-3ea8-4fb0-9b62-eb8034dec529" providerId="ADAL" clId="{4929D89B-CC43-4C41-92A5-3ABC52AE066B}" dt="2021-05-08T23:25:57.544" v="1898" actId="700"/>
-          <ac:spMkLst>
-            <pc:docMk/>
-            <pc:sldMk cId="141314306" sldId="321"/>
-            <ac:spMk id="2" creationId="{D3557007-DB39-4428-84BC-441E8E15A34D}"/>
-          </ac:spMkLst>
-        </pc:spChg>
-        <pc:spChg chg="del mod ord">
-          <ac:chgData name="Matthew Suderman" userId="2709995e-3ea8-4fb0-9b62-eb8034dec529" providerId="ADAL" clId="{4929D89B-CC43-4C41-92A5-3ABC52AE066B}" dt="2021-05-08T23:25:57.544" v="1898" actId="700"/>
-          <ac:spMkLst>
-            <pc:docMk/>
-            <pc:sldMk cId="141314306" sldId="321"/>
-            <ac:spMk id="3" creationId="{2FC44F85-ED58-471D-AF4B-8A5200436580}"/>
-          </ac:spMkLst>
-        </pc:spChg>
-        <pc:spChg chg="del">
-          <ac:chgData name="Matthew Suderman" userId="2709995e-3ea8-4fb0-9b62-eb8034dec529" providerId="ADAL" clId="{4929D89B-CC43-4C41-92A5-3ABC52AE066B}" dt="2021-05-08T23:25:57.544" v="1898" actId="700"/>
-          <ac:spMkLst>
-            <pc:docMk/>
-            <pc:sldMk cId="141314306" sldId="321"/>
-            <ac:spMk id="4" creationId="{4AB1A330-F65F-4A5C-A797-9064C76B7376}"/>
-          </ac:spMkLst>
-        </pc:spChg>
-        <pc:spChg chg="add mod ord">
-          <ac:chgData name="Matthew Suderman" userId="2709995e-3ea8-4fb0-9b62-eb8034dec529" providerId="ADAL" clId="{4929D89B-CC43-4C41-92A5-3ABC52AE066B}" dt="2021-05-08T23:26:05.307" v="1925" actId="20577"/>
-          <ac:spMkLst>
-            <pc:docMk/>
-            <pc:sldMk cId="141314306" sldId="321"/>
-            <ac:spMk id="5" creationId="{8AAFEA23-6A2F-4028-85F5-934A467EC70A}"/>
-          </ac:spMkLst>
-        </pc:spChg>
-        <pc:spChg chg="add del mod ord">
-          <ac:chgData name="Matthew Suderman" userId="2709995e-3ea8-4fb0-9b62-eb8034dec529" providerId="ADAL" clId="{4929D89B-CC43-4C41-92A5-3ABC52AE066B}" dt="2021-05-08T23:28:14.135" v="1932" actId="22"/>
-          <ac:spMkLst>
-            <pc:docMk/>
-            <pc:sldMk cId="141314306" sldId="321"/>
-            <ac:spMk id="6" creationId="{EE547C99-8C4B-4F34-844F-9F2E9BE43200}"/>
-          </ac:spMkLst>
-        </pc:spChg>
-        <pc:spChg chg="add del mod">
-          <ac:chgData name="Matthew Suderman" userId="2709995e-3ea8-4fb0-9b62-eb8034dec529" providerId="ADAL" clId="{4929D89B-CC43-4C41-92A5-3ABC52AE066B}" dt="2021-05-08T23:29:31.754" v="1939" actId="478"/>
-          <ac:spMkLst>
-            <pc:docMk/>
-            <pc:sldMk cId="141314306" sldId="321"/>
-            <ac:spMk id="14" creationId="{EF5EB1F0-84A3-4E90-A48C-27CF1408CF2C}"/>
-          </ac:spMkLst>
-        </pc:spChg>
-        <pc:spChg chg="add mod">
-          <ac:chgData name="Matthew Suderman" userId="2709995e-3ea8-4fb0-9b62-eb8034dec529" providerId="ADAL" clId="{4929D89B-CC43-4C41-92A5-3ABC52AE066B}" dt="2021-05-08T23:38:53.926" v="2213" actId="20577"/>
-          <ac:spMkLst>
-            <pc:docMk/>
-            <pc:sldMk cId="141314306" sldId="321"/>
-            <ac:spMk id="18" creationId="{301FF7EE-0ADF-439B-A3CF-580446870B27}"/>
-          </ac:spMkLst>
-        </pc:spChg>
-        <pc:picChg chg="add del mod ord">
-          <ac:chgData name="Matthew Suderman" userId="2709995e-3ea8-4fb0-9b62-eb8034dec529" providerId="ADAL" clId="{4929D89B-CC43-4C41-92A5-3ABC52AE066B}" dt="2021-05-08T23:26:39.971" v="1929" actId="22"/>
-          <ac:picMkLst>
-            <pc:docMk/>
-            <pc:sldMk cId="141314306" sldId="321"/>
-            <ac:picMk id="8" creationId="{CAE063AF-FE4F-4A5F-97D8-47B2E9DB504A}"/>
-          </ac:picMkLst>
-        </pc:picChg>
-        <pc:picChg chg="add del mod ord">
-          <ac:chgData name="Matthew Suderman" userId="2709995e-3ea8-4fb0-9b62-eb8034dec529" providerId="ADAL" clId="{4929D89B-CC43-4C41-92A5-3ABC52AE066B}" dt="2021-05-08T23:27:14.505" v="1931" actId="22"/>
-          <ac:picMkLst>
-            <pc:docMk/>
-            <pc:sldMk cId="141314306" sldId="321"/>
-            <ac:picMk id="10" creationId="{84B87E6B-C0A0-4A08-BFEB-C9C00CF529A1}"/>
-          </ac:picMkLst>
-        </pc:picChg>
-        <pc:picChg chg="add del mod ord">
-          <ac:chgData name="Matthew Suderman" userId="2709995e-3ea8-4fb0-9b62-eb8034dec529" providerId="ADAL" clId="{4929D89B-CC43-4C41-92A5-3ABC52AE066B}" dt="2021-05-08T23:29:27.352" v="1938" actId="478"/>
-          <ac:picMkLst>
-            <pc:docMk/>
-            <pc:sldMk cId="141314306" sldId="321"/>
-            <ac:picMk id="12" creationId="{05A4FFE4-2012-43B7-9919-7D73B256D92C}"/>
-          </ac:picMkLst>
-        </pc:picChg>
-        <pc:picChg chg="add del mod">
-          <ac:chgData name="Matthew Suderman" userId="2709995e-3ea8-4fb0-9b62-eb8034dec529" providerId="ADAL" clId="{4929D89B-CC43-4C41-92A5-3ABC52AE066B}" dt="2021-05-08T23:26:20.652" v="1927"/>
-          <ac:picMkLst>
-            <pc:docMk/>
-            <pc:sldMk cId="141314306" sldId="321"/>
-            <ac:picMk id="2050" creationId="{2AE38787-5120-48F9-9E85-05D46D506781}"/>
-          </ac:picMkLst>
-        </pc:picChg>
-        <pc:picChg chg="add mod">
-          <ac:chgData name="Matthew Suderman" userId="2709995e-3ea8-4fb0-9b62-eb8034dec529" providerId="ADAL" clId="{4929D89B-CC43-4C41-92A5-3ABC52AE066B}" dt="2021-05-08T23:37:12.437" v="1988" actId="1036"/>
-          <ac:picMkLst>
-            <pc:docMk/>
-            <pc:sldMk cId="141314306" sldId="321"/>
-            <ac:picMk id="2052" creationId="{0E22FE60-72A6-4689-BEB6-1C05C968300A}"/>
-          </ac:picMkLst>
-        </pc:picChg>
-      </pc:sldChg>
-      <pc:sldChg chg="addSp modSp new mod">
-        <pc:chgData name="Matthew Suderman" userId="2709995e-3ea8-4fb0-9b62-eb8034dec529" providerId="ADAL" clId="{4929D89B-CC43-4C41-92A5-3ABC52AE066B}" dt="2021-05-08T23:50:47.122" v="2326" actId="14100"/>
-        <pc:sldMkLst>
-          <pc:docMk/>
-          <pc:sldMk cId="895679400" sldId="322"/>
-        </pc:sldMkLst>
-        <pc:spChg chg="mod">
-          <ac:chgData name="Matthew Suderman" userId="2709995e-3ea8-4fb0-9b62-eb8034dec529" providerId="ADAL" clId="{4929D89B-CC43-4C41-92A5-3ABC52AE066B}" dt="2021-05-08T23:41:06.926" v="2273" actId="20577"/>
-          <ac:spMkLst>
-            <pc:docMk/>
-            <pc:sldMk cId="895679400" sldId="322"/>
-            <ac:spMk id="2" creationId="{CB996505-222F-475B-971A-B2755697B6AB}"/>
-          </ac:spMkLst>
-        </pc:spChg>
-        <pc:spChg chg="mod">
-          <ac:chgData name="Matthew Suderman" userId="2709995e-3ea8-4fb0-9b62-eb8034dec529" providerId="ADAL" clId="{4929D89B-CC43-4C41-92A5-3ABC52AE066B}" dt="2021-05-08T23:50:47.122" v="2326" actId="14100"/>
-          <ac:spMkLst>
-            <pc:docMk/>
-            <pc:sldMk cId="895679400" sldId="322"/>
-            <ac:spMk id="3" creationId="{AE46E155-C119-4448-A3B3-673593A43676}"/>
-          </ac:spMkLst>
-        </pc:spChg>
-        <pc:spChg chg="add mod">
-          <ac:chgData name="Matthew Suderman" userId="2709995e-3ea8-4fb0-9b62-eb8034dec529" providerId="ADAL" clId="{4929D89B-CC43-4C41-92A5-3ABC52AE066B}" dt="2021-05-08T23:50:37.502" v="2324" actId="1037"/>
-          <ac:spMkLst>
-            <pc:docMk/>
-            <pc:sldMk cId="895679400" sldId="322"/>
-            <ac:spMk id="7" creationId="{FF678843-F203-47A5-ADB4-014B37152AF5}"/>
-          </ac:spMkLst>
-        </pc:spChg>
-        <pc:picChg chg="add mod">
-          <ac:chgData name="Matthew Suderman" userId="2709995e-3ea8-4fb0-9b62-eb8034dec529" providerId="ADAL" clId="{4929D89B-CC43-4C41-92A5-3ABC52AE066B}" dt="2021-05-08T23:50:37.502" v="2324" actId="1037"/>
-          <ac:picMkLst>
-            <pc:docMk/>
-            <pc:sldMk cId="895679400" sldId="322"/>
-            <ac:picMk id="3074" creationId="{A60F2464-6A3C-4145-881A-1514B2E7AE01}"/>
-          </ac:picMkLst>
-        </pc:picChg>
-        <pc:picChg chg="add mod">
-          <ac:chgData name="Matthew Suderman" userId="2709995e-3ea8-4fb0-9b62-eb8034dec529" providerId="ADAL" clId="{4929D89B-CC43-4C41-92A5-3ABC52AE066B}" dt="2021-05-08T23:50:37.502" v="2324" actId="1037"/>
-          <ac:picMkLst>
-            <pc:docMk/>
-            <pc:sldMk cId="895679400" sldId="322"/>
-            <ac:picMk id="3076" creationId="{5F87700E-D95C-48C1-A3D3-8DAA7AB0EA30}"/>
-          </ac:picMkLst>
-        </pc:picChg>
-      </pc:sldChg>
-      <pc:sldChg chg="addSp delSp modSp new mod ord">
-        <pc:chgData name="Matthew Suderman" userId="2709995e-3ea8-4fb0-9b62-eb8034dec529" providerId="ADAL" clId="{4929D89B-CC43-4C41-92A5-3ABC52AE066B}" dt="2021-05-09T20:29:09.508" v="2446"/>
-        <pc:sldMkLst>
-          <pc:docMk/>
-          <pc:sldMk cId="701847933" sldId="323"/>
-        </pc:sldMkLst>
-        <pc:spChg chg="mod">
-          <ac:chgData name="Matthew Suderman" userId="2709995e-3ea8-4fb0-9b62-eb8034dec529" providerId="ADAL" clId="{4929D89B-CC43-4C41-92A5-3ABC52AE066B}" dt="2021-05-08T23:51:40.460" v="2388" actId="20577"/>
-          <ac:spMkLst>
-            <pc:docMk/>
-            <pc:sldMk cId="701847933" sldId="323"/>
-            <ac:spMk id="2" creationId="{92109A3A-E10B-41FE-9947-5837639AF7FC}"/>
-          </ac:spMkLst>
-        </pc:spChg>
-        <pc:spChg chg="mod">
-          <ac:chgData name="Matthew Suderman" userId="2709995e-3ea8-4fb0-9b62-eb8034dec529" providerId="ADAL" clId="{4929D89B-CC43-4C41-92A5-3ABC52AE066B}" dt="2021-05-08T23:54:49.117" v="2399" actId="1076"/>
-          <ac:spMkLst>
-            <pc:docMk/>
-            <pc:sldMk cId="701847933" sldId="323"/>
-            <ac:spMk id="3" creationId="{308A18B3-CA9E-4907-BFB7-27C472D98F22}"/>
-          </ac:spMkLst>
-        </pc:spChg>
-        <pc:spChg chg="add del mod">
-          <ac:chgData name="Matthew Suderman" userId="2709995e-3ea8-4fb0-9b62-eb8034dec529" providerId="ADAL" clId="{4929D89B-CC43-4C41-92A5-3ABC52AE066B}" dt="2021-05-08T23:57:16.715" v="2404" actId="478"/>
-          <ac:spMkLst>
-            <pc:docMk/>
-            <pc:sldMk cId="701847933" sldId="323"/>
-            <ac:spMk id="6" creationId="{8E7FD320-2887-4BDD-AF45-DD7A37ABFBD7}"/>
-          </ac:spMkLst>
-        </pc:spChg>
-        <pc:spChg chg="add mod">
-          <ac:chgData name="Matthew Suderman" userId="2709995e-3ea8-4fb0-9b62-eb8034dec529" providerId="ADAL" clId="{4929D89B-CC43-4C41-92A5-3ABC52AE066B}" dt="2021-05-09T00:00:29.796" v="2442" actId="1076"/>
-          <ac:spMkLst>
-            <pc:docMk/>
-            <pc:sldMk cId="701847933" sldId="323"/>
-            <ac:spMk id="11" creationId="{91DB470B-AD26-415E-B03D-3E607987F598}"/>
-          </ac:spMkLst>
-        </pc:spChg>
-        <pc:picChg chg="add mod">
-          <ac:chgData name="Matthew Suderman" userId="2709995e-3ea8-4fb0-9b62-eb8034dec529" providerId="ADAL" clId="{4929D89B-CC43-4C41-92A5-3ABC52AE066B}" dt="2021-05-09T00:00:15.371" v="2439" actId="14100"/>
-          <ac:picMkLst>
-            <pc:docMk/>
-            <pc:sldMk cId="701847933" sldId="323"/>
-            <ac:picMk id="7" creationId="{B81E2B71-B1FF-4E5C-9B03-00B9C50E8EF9}"/>
-          </ac:picMkLst>
-        </pc:picChg>
-        <pc:picChg chg="add mod">
-          <ac:chgData name="Matthew Suderman" userId="2709995e-3ea8-4fb0-9b62-eb8034dec529" providerId="ADAL" clId="{4929D89B-CC43-4C41-92A5-3ABC52AE066B}" dt="2021-05-09T00:00:23.027" v="2441" actId="1037"/>
-          <ac:picMkLst>
-            <pc:docMk/>
-            <pc:sldMk cId="701847933" sldId="323"/>
-            <ac:picMk id="9" creationId="{B1B5677A-8D2D-4F45-9F0C-112E0C00E0C6}"/>
-          </ac:picMkLst>
-        </pc:picChg>
-        <pc:picChg chg="add mod">
-          <ac:chgData name="Matthew Suderman" userId="2709995e-3ea8-4fb0-9b62-eb8034dec529" providerId="ADAL" clId="{4929D89B-CC43-4C41-92A5-3ABC52AE066B}" dt="2021-05-09T00:00:23.027" v="2441" actId="1037"/>
-          <ac:picMkLst>
-            <pc:docMk/>
-            <pc:sldMk cId="701847933" sldId="323"/>
-            <ac:picMk id="4098" creationId="{17CCA2BF-0595-417B-8C4D-FFF9E310ADD7}"/>
-          </ac:picMkLst>
-        </pc:picChg>
-      </pc:sldChg>
-      <pc:sldChg chg="addSp delSp modSp new mod modClrScheme chgLayout">
-        <pc:chgData name="Matthew Suderman" userId="2709995e-3ea8-4fb0-9b62-eb8034dec529" providerId="ADAL" clId="{4929D89B-CC43-4C41-92A5-3ABC52AE066B}" dt="2021-05-09T20:56:16.230" v="3575" actId="20577"/>
-        <pc:sldMkLst>
-          <pc:docMk/>
-          <pc:sldMk cId="139685370" sldId="324"/>
-        </pc:sldMkLst>
-        <pc:spChg chg="mod ord">
-          <ac:chgData name="Matthew Suderman" userId="2709995e-3ea8-4fb0-9b62-eb8034dec529" providerId="ADAL" clId="{4929D89B-CC43-4C41-92A5-3ABC52AE066B}" dt="2021-05-09T20:55:09.542" v="3522" actId="20577"/>
-          <ac:spMkLst>
-            <pc:docMk/>
-            <pc:sldMk cId="139685370" sldId="324"/>
-            <ac:spMk id="2" creationId="{1221262A-B670-4C9A-BE6F-D31E2E93F4DA}"/>
-          </ac:spMkLst>
-        </pc:spChg>
-        <pc:spChg chg="del mod ord">
-          <ac:chgData name="Matthew Suderman" userId="2709995e-3ea8-4fb0-9b62-eb8034dec529" providerId="ADAL" clId="{4929D89B-CC43-4C41-92A5-3ABC52AE066B}" dt="2021-05-09T20:32:51.592" v="2490" actId="700"/>
-          <ac:spMkLst>
-            <pc:docMk/>
-            <pc:sldMk cId="139685370" sldId="324"/>
-            <ac:spMk id="3" creationId="{BBB65043-9972-4C96-88C1-A29747E0518F}"/>
-          </ac:spMkLst>
-        </pc:spChg>
-        <pc:spChg chg="del">
-          <ac:chgData name="Matthew Suderman" userId="2709995e-3ea8-4fb0-9b62-eb8034dec529" providerId="ADAL" clId="{4929D89B-CC43-4C41-92A5-3ABC52AE066B}" dt="2021-05-09T20:32:51.592" v="2490" actId="700"/>
-          <ac:spMkLst>
-            <pc:docMk/>
-            <pc:sldMk cId="139685370" sldId="324"/>
-            <ac:spMk id="4" creationId="{345222DA-277A-4B20-8EFB-A64ED81832A3}"/>
-          </ac:spMkLst>
-        </pc:spChg>
-        <pc:spChg chg="add mod ord">
-          <ac:chgData name="Matthew Suderman" userId="2709995e-3ea8-4fb0-9b62-eb8034dec529" providerId="ADAL" clId="{4929D89B-CC43-4C41-92A5-3ABC52AE066B}" dt="2021-05-09T20:56:16.230" v="3575" actId="20577"/>
-          <ac:spMkLst>
-            <pc:docMk/>
-            <pc:sldMk cId="139685370" sldId="324"/>
-            <ac:spMk id="5" creationId="{ED9FB1F5-0521-41F7-A6BB-E95FB8CE2AE1}"/>
-          </ac:spMkLst>
-        </pc:spChg>
-      </pc:sldChg>
-      <pc:sldChg chg="addSp delSp modSp new mod modClrScheme chgLayout">
-        <pc:chgData name="Matthew Suderman" userId="2709995e-3ea8-4fb0-9b62-eb8034dec529" providerId="ADAL" clId="{4929D89B-CC43-4C41-92A5-3ABC52AE066B}" dt="2021-05-09T23:36:15.162" v="8344" actId="1076"/>
-        <pc:sldMkLst>
-          <pc:docMk/>
-          <pc:sldMk cId="4218096725" sldId="325"/>
-        </pc:sldMkLst>
-        <pc:spChg chg="mod ord">
-          <ac:chgData name="Matthew Suderman" userId="2709995e-3ea8-4fb0-9b62-eb8034dec529" providerId="ADAL" clId="{4929D89B-CC43-4C41-92A5-3ABC52AE066B}" dt="2021-05-09T22:45:11.022" v="7067" actId="20577"/>
-          <ac:spMkLst>
-            <pc:docMk/>
-            <pc:sldMk cId="4218096725" sldId="325"/>
-            <ac:spMk id="2" creationId="{8925F703-9851-4FE7-AD37-FF7C209B9664}"/>
-          </ac:spMkLst>
-        </pc:spChg>
-        <pc:spChg chg="del mod ord">
-          <ac:chgData name="Matthew Suderman" userId="2709995e-3ea8-4fb0-9b62-eb8034dec529" providerId="ADAL" clId="{4929D89B-CC43-4C41-92A5-3ABC52AE066B}" dt="2021-05-09T20:32:56.184" v="2491" actId="700"/>
-          <ac:spMkLst>
-            <pc:docMk/>
-            <pc:sldMk cId="4218096725" sldId="325"/>
-            <ac:spMk id="3" creationId="{C8633002-85CD-4179-8DC2-7C326E79C4F1}"/>
-          </ac:spMkLst>
-        </pc:spChg>
-        <pc:spChg chg="del">
-          <ac:chgData name="Matthew Suderman" userId="2709995e-3ea8-4fb0-9b62-eb8034dec529" providerId="ADAL" clId="{4929D89B-CC43-4C41-92A5-3ABC52AE066B}" dt="2021-05-09T20:32:56.184" v="2491" actId="700"/>
-          <ac:spMkLst>
-            <pc:docMk/>
-            <pc:sldMk cId="4218096725" sldId="325"/>
-            <ac:spMk id="4" creationId="{978C9FDF-78C7-4115-8E95-3D47F5C67E96}"/>
-          </ac:spMkLst>
-        </pc:spChg>
-        <pc:spChg chg="add mod ord">
-          <ac:chgData name="Matthew Suderman" userId="2709995e-3ea8-4fb0-9b62-eb8034dec529" providerId="ADAL" clId="{4929D89B-CC43-4C41-92A5-3ABC52AE066B}" dt="2021-05-09T23:36:10.349" v="8343" actId="20577"/>
-          <ac:spMkLst>
-            <pc:docMk/>
-            <pc:sldMk cId="4218096725" sldId="325"/>
-            <ac:spMk id="5" creationId="{61C2349A-F397-49C4-8639-6ADA60C2CEC3}"/>
-          </ac:spMkLst>
-        </pc:spChg>
-        <pc:picChg chg="add mod">
-          <ac:chgData name="Matthew Suderman" userId="2709995e-3ea8-4fb0-9b62-eb8034dec529" providerId="ADAL" clId="{4929D89B-CC43-4C41-92A5-3ABC52AE066B}" dt="2021-05-09T23:36:15.162" v="8344" actId="1076"/>
-          <ac:picMkLst>
-            <pc:docMk/>
-            <pc:sldMk cId="4218096725" sldId="325"/>
-            <ac:picMk id="9218" creationId="{60B6E4EA-9C9A-45CA-AA62-4DED85A3F4AE}"/>
-          </ac:picMkLst>
-        </pc:picChg>
-      </pc:sldChg>
-      <pc:sldChg chg="addSp delSp modSp new mod">
-        <pc:chgData name="Matthew Suderman" userId="2709995e-3ea8-4fb0-9b62-eb8034dec529" providerId="ADAL" clId="{4929D89B-CC43-4C41-92A5-3ABC52AE066B}" dt="2021-05-09T21:38:49.334" v="4184" actId="20577"/>
-        <pc:sldMkLst>
-          <pc:docMk/>
-          <pc:sldMk cId="509286688" sldId="326"/>
-        </pc:sldMkLst>
-        <pc:spChg chg="mod">
-          <ac:chgData name="Matthew Suderman" userId="2709995e-3ea8-4fb0-9b62-eb8034dec529" providerId="ADAL" clId="{4929D89B-CC43-4C41-92A5-3ABC52AE066B}" dt="2021-05-09T21:38:49.334" v="4184" actId="20577"/>
-          <ac:spMkLst>
-            <pc:docMk/>
-            <pc:sldMk cId="509286688" sldId="326"/>
-            <ac:spMk id="2" creationId="{2B0B872B-AA52-4B0D-BDFB-8F0805D5BF75}"/>
-          </ac:spMkLst>
-        </pc:spChg>
-        <pc:spChg chg="del">
-          <ac:chgData name="Matthew Suderman" userId="2709995e-3ea8-4fb0-9b62-eb8034dec529" providerId="ADAL" clId="{4929D89B-CC43-4C41-92A5-3ABC52AE066B}" dt="2021-05-09T21:06:54.249" v="3629" actId="478"/>
-          <ac:spMkLst>
-            <pc:docMk/>
-            <pc:sldMk cId="509286688" sldId="326"/>
-            <ac:spMk id="3" creationId="{8C85C7BC-835A-4A92-905B-E5796F546549}"/>
-          </ac:spMkLst>
-        </pc:spChg>
-        <pc:spChg chg="add mod">
-          <ac:chgData name="Matthew Suderman" userId="2709995e-3ea8-4fb0-9b62-eb8034dec529" providerId="ADAL" clId="{4929D89B-CC43-4C41-92A5-3ABC52AE066B}" dt="2021-05-09T21:15:23.160" v="3715" actId="20577"/>
-          <ac:spMkLst>
-            <pc:docMk/>
-            <pc:sldMk cId="509286688" sldId="326"/>
-            <ac:spMk id="4" creationId="{E9F55EBF-0620-4663-9479-56A49CE19BED}"/>
-          </ac:spMkLst>
-        </pc:spChg>
-        <pc:spChg chg="add mod">
-          <ac:chgData name="Matthew Suderman" userId="2709995e-3ea8-4fb0-9b62-eb8034dec529" providerId="ADAL" clId="{4929D89B-CC43-4C41-92A5-3ABC52AE066B}" dt="2021-05-09T21:15:27.655" v="3717" actId="20577"/>
-          <ac:spMkLst>
-            <pc:docMk/>
-            <pc:sldMk cId="509286688" sldId="326"/>
-            <ac:spMk id="7" creationId="{41FE48D6-535E-4574-9D76-61F5E984A3D3}"/>
-          </ac:spMkLst>
-        </pc:spChg>
-        <pc:spChg chg="add mod">
-          <ac:chgData name="Matthew Suderman" userId="2709995e-3ea8-4fb0-9b62-eb8034dec529" providerId="ADAL" clId="{4929D89B-CC43-4C41-92A5-3ABC52AE066B}" dt="2021-05-09T21:16:59.770" v="3799" actId="113"/>
-          <ac:spMkLst>
-            <pc:docMk/>
-            <pc:sldMk cId="509286688" sldId="326"/>
-            <ac:spMk id="9" creationId="{1C416C93-1F31-4658-BCFD-B2325313A8AC}"/>
-          </ac:spMkLst>
-        </pc:spChg>
-        <pc:spChg chg="add mod">
-          <ac:chgData name="Matthew Suderman" userId="2709995e-3ea8-4fb0-9b62-eb8034dec529" providerId="ADAL" clId="{4929D89B-CC43-4C41-92A5-3ABC52AE066B}" dt="2021-05-09T21:18:43.530" v="4008" actId="313"/>
-          <ac:spMkLst>
-            <pc:docMk/>
-            <pc:sldMk cId="509286688" sldId="326"/>
-            <ac:spMk id="10" creationId="{211DC2F6-F44F-4C60-AE32-87359A4779EF}"/>
-          </ac:spMkLst>
-        </pc:spChg>
-        <pc:spChg chg="add mod">
-          <ac:chgData name="Matthew Suderman" userId="2709995e-3ea8-4fb0-9b62-eb8034dec529" providerId="ADAL" clId="{4929D89B-CC43-4C41-92A5-3ABC52AE066B}" dt="2021-05-09T21:20:19.269" v="4052" actId="1076"/>
-          <ac:spMkLst>
-            <pc:docMk/>
-            <pc:sldMk cId="509286688" sldId="326"/>
-            <ac:spMk id="11" creationId="{4A70BCA0-5699-4A53-84F8-E44912C422EE}"/>
-          </ac:spMkLst>
-        </pc:spChg>
-        <pc:spChg chg="add mod">
-          <ac:chgData name="Matthew Suderman" userId="2709995e-3ea8-4fb0-9b62-eb8034dec529" providerId="ADAL" clId="{4929D89B-CC43-4C41-92A5-3ABC52AE066B}" dt="2021-05-09T21:21:51.934" v="4089" actId="20577"/>
-          <ac:spMkLst>
-            <pc:docMk/>
-            <pc:sldMk cId="509286688" sldId="326"/>
-            <ac:spMk id="13" creationId="{3C8BD110-ED60-4820-A9C0-DC375AC7BBB3}"/>
-          </ac:spMkLst>
-        </pc:spChg>
-        <pc:picChg chg="add mod">
-          <ac:chgData name="Matthew Suderman" userId="2709995e-3ea8-4fb0-9b62-eb8034dec529" providerId="ADAL" clId="{4929D89B-CC43-4C41-92A5-3ABC52AE066B}" dt="2021-05-09T21:14:55.151" v="3702" actId="1036"/>
-          <ac:picMkLst>
-            <pc:docMk/>
-            <pc:sldMk cId="509286688" sldId="326"/>
-            <ac:picMk id="5122" creationId="{4951739E-B532-44F8-B4F9-38FADBA22838}"/>
-          </ac:picMkLst>
-        </pc:picChg>
-        <pc:picChg chg="add mod">
-          <ac:chgData name="Matthew Suderman" userId="2709995e-3ea8-4fb0-9b62-eb8034dec529" providerId="ADAL" clId="{4929D89B-CC43-4C41-92A5-3ABC52AE066B}" dt="2021-05-09T21:15:11.862" v="3709" actId="1035"/>
-          <ac:picMkLst>
-            <pc:docMk/>
-            <pc:sldMk cId="509286688" sldId="326"/>
-            <ac:picMk id="5124" creationId="{AEF71CC3-3EE3-4493-A000-AD2B039EFF33}"/>
-          </ac:picMkLst>
-        </pc:picChg>
-        <pc:picChg chg="add mod">
-          <ac:chgData name="Matthew Suderman" userId="2709995e-3ea8-4fb0-9b62-eb8034dec529" providerId="ADAL" clId="{4929D89B-CC43-4C41-92A5-3ABC52AE066B}" dt="2021-05-09T21:20:32.901" v="4056" actId="1076"/>
-          <ac:picMkLst>
-            <pc:docMk/>
-            <pc:sldMk cId="509286688" sldId="326"/>
-            <ac:picMk id="5126" creationId="{5826858D-AC9E-4920-8574-0E0A3925F08B}"/>
-          </ac:picMkLst>
-        </pc:picChg>
-      </pc:sldChg>
-      <pc:sldChg chg="addSp delSp modSp new mod">
-        <pc:chgData name="Matthew Suderman" userId="2709995e-3ea8-4fb0-9b62-eb8034dec529" providerId="ADAL" clId="{4929D89B-CC43-4C41-92A5-3ABC52AE066B}" dt="2021-05-09T21:46:55.593" v="4589" actId="1038"/>
-        <pc:sldMkLst>
-          <pc:docMk/>
-          <pc:sldMk cId="4212410690" sldId="327"/>
-        </pc:sldMkLst>
-        <pc:spChg chg="mod">
-          <ac:chgData name="Matthew Suderman" userId="2709995e-3ea8-4fb0-9b62-eb8034dec529" providerId="ADAL" clId="{4929D89B-CC43-4C41-92A5-3ABC52AE066B}" dt="2021-05-09T21:38:53.596" v="4190" actId="20577"/>
-          <ac:spMkLst>
-            <pc:docMk/>
-            <pc:sldMk cId="4212410690" sldId="327"/>
-            <ac:spMk id="2" creationId="{BFF26262-655E-405F-BF25-0BD14DFB0BF3}"/>
-          </ac:spMkLst>
-        </pc:spChg>
-        <pc:spChg chg="del">
-          <ac:chgData name="Matthew Suderman" userId="2709995e-3ea8-4fb0-9b62-eb8034dec529" providerId="ADAL" clId="{4929D89B-CC43-4C41-92A5-3ABC52AE066B}" dt="2021-05-09T21:22:32.817" v="4091" actId="478"/>
-          <ac:spMkLst>
-            <pc:docMk/>
-            <pc:sldMk cId="4212410690" sldId="327"/>
-            <ac:spMk id="3" creationId="{0E6A8414-AB26-4D2A-B4FF-510667BAB3B0}"/>
-          </ac:spMkLst>
-        </pc:spChg>
-        <pc:spChg chg="add mod">
-          <ac:chgData name="Matthew Suderman" userId="2709995e-3ea8-4fb0-9b62-eb8034dec529" providerId="ADAL" clId="{4929D89B-CC43-4C41-92A5-3ABC52AE066B}" dt="2021-05-09T21:46:55.593" v="4589" actId="1038"/>
-          <ac:spMkLst>
-            <pc:docMk/>
-            <pc:sldMk cId="4212410690" sldId="327"/>
-            <ac:spMk id="10" creationId="{34E95C98-8D72-4BD5-9285-4A24B998AC1F}"/>
-          </ac:spMkLst>
-        </pc:spChg>
-        <pc:spChg chg="add mod">
-          <ac:chgData name="Matthew Suderman" userId="2709995e-3ea8-4fb0-9b62-eb8034dec529" providerId="ADAL" clId="{4929D89B-CC43-4C41-92A5-3ABC52AE066B}" dt="2021-05-09T21:46:55.593" v="4589" actId="1038"/>
-          <ac:spMkLst>
-            <pc:docMk/>
-            <pc:sldMk cId="4212410690" sldId="327"/>
-            <ac:spMk id="11" creationId="{BF4E871C-FE79-4187-8D91-17E07A078D9C}"/>
-          </ac:spMkLst>
-        </pc:spChg>
-        <pc:spChg chg="add mod">
-          <ac:chgData name="Matthew Suderman" userId="2709995e-3ea8-4fb0-9b62-eb8034dec529" providerId="ADAL" clId="{4929D89B-CC43-4C41-92A5-3ABC52AE066B}" dt="2021-05-09T21:46:55.593" v="4589" actId="1038"/>
-          <ac:spMkLst>
-            <pc:docMk/>
-            <pc:sldMk cId="4212410690" sldId="327"/>
-            <ac:spMk id="12" creationId="{AF225118-ADA7-4819-9ADF-B602370C085D}"/>
-          </ac:spMkLst>
-        </pc:spChg>
-        <pc:spChg chg="add mod">
-          <ac:chgData name="Matthew Suderman" userId="2709995e-3ea8-4fb0-9b62-eb8034dec529" providerId="ADAL" clId="{4929D89B-CC43-4C41-92A5-3ABC52AE066B}" dt="2021-05-09T21:46:55.593" v="4589" actId="1038"/>
-          <ac:spMkLst>
-            <pc:docMk/>
-            <pc:sldMk cId="4212410690" sldId="327"/>
-            <ac:spMk id="13" creationId="{2C089E31-C5CC-493C-A0B4-8D729A186FA9}"/>
-          </ac:spMkLst>
-        </pc:spChg>
-        <pc:spChg chg="add mod">
-          <ac:chgData name="Matthew Suderman" userId="2709995e-3ea8-4fb0-9b62-eb8034dec529" providerId="ADAL" clId="{4929D89B-CC43-4C41-92A5-3ABC52AE066B}" dt="2021-05-09T21:46:55.593" v="4589" actId="1038"/>
-          <ac:spMkLst>
-            <pc:docMk/>
-            <pc:sldMk cId="4212410690" sldId="327"/>
-            <ac:spMk id="14" creationId="{5FDA0845-49C0-4C3D-AA3E-7969A05FDAF3}"/>
-          </ac:spMkLst>
-        </pc:spChg>
-        <pc:spChg chg="add del">
-          <ac:chgData name="Matthew Suderman" userId="2709995e-3ea8-4fb0-9b62-eb8034dec529" providerId="ADAL" clId="{4929D89B-CC43-4C41-92A5-3ABC52AE066B}" dt="2021-05-09T21:46:18.801" v="4538" actId="22"/>
-          <ac:spMkLst>
-            <pc:docMk/>
-            <pc:sldMk cId="4212410690" sldId="327"/>
-            <ac:spMk id="16" creationId="{9811F42C-CB04-43BC-99F1-2F024BEC9A8F}"/>
-          </ac:spMkLst>
-        </pc:spChg>
-        <pc:spChg chg="add mod">
-          <ac:chgData name="Matthew Suderman" userId="2709995e-3ea8-4fb0-9b62-eb8034dec529" providerId="ADAL" clId="{4929D89B-CC43-4C41-92A5-3ABC52AE066B}" dt="2021-05-09T21:46:44.277" v="4565" actId="20577"/>
-          <ac:spMkLst>
-            <pc:docMk/>
-            <pc:sldMk cId="4212410690" sldId="327"/>
-            <ac:spMk id="17" creationId="{7F055729-4EAC-40B9-A1C1-88E5620ACD87}"/>
-          </ac:spMkLst>
-        </pc:spChg>
-        <pc:picChg chg="add del mod modCrop">
-          <ac:chgData name="Matthew Suderman" userId="2709995e-3ea8-4fb0-9b62-eb8034dec529" providerId="ADAL" clId="{4929D89B-CC43-4C41-92A5-3ABC52AE066B}" dt="2021-05-09T21:35:05.370" v="4120" actId="478"/>
-          <ac:picMkLst>
-            <pc:docMk/>
-            <pc:sldMk cId="4212410690" sldId="327"/>
-            <ac:picMk id="4" creationId="{FAD5F0FA-35E8-4AFE-9F41-AFA76B9838B5}"/>
-          </ac:picMkLst>
-        </pc:picChg>
-        <pc:picChg chg="add mod modCrop">
-          <ac:chgData name="Matthew Suderman" userId="2709995e-3ea8-4fb0-9b62-eb8034dec529" providerId="ADAL" clId="{4929D89B-CC43-4C41-92A5-3ABC52AE066B}" dt="2021-05-09T21:46:55.593" v="4589" actId="1038"/>
-          <ac:picMkLst>
-            <pc:docMk/>
-            <pc:sldMk cId="4212410690" sldId="327"/>
-            <ac:picMk id="5" creationId="{66F1770B-4E71-48AF-8D7F-89C7CA0F369E}"/>
-          </ac:picMkLst>
-        </pc:picChg>
-        <pc:picChg chg="add mod modCrop">
-          <ac:chgData name="Matthew Suderman" userId="2709995e-3ea8-4fb0-9b62-eb8034dec529" providerId="ADAL" clId="{4929D89B-CC43-4C41-92A5-3ABC52AE066B}" dt="2021-05-09T21:46:55.593" v="4589" actId="1038"/>
-          <ac:picMkLst>
-            <pc:docMk/>
-            <pc:sldMk cId="4212410690" sldId="327"/>
-            <ac:picMk id="8" creationId="{422D1C35-6ADA-492C-8738-438D5A71537E}"/>
-          </ac:picMkLst>
-        </pc:picChg>
-        <pc:picChg chg="add mod">
-          <ac:chgData name="Matthew Suderman" userId="2709995e-3ea8-4fb0-9b62-eb8034dec529" providerId="ADAL" clId="{4929D89B-CC43-4C41-92A5-3ABC52AE066B}" dt="2021-05-09T21:46:55.593" v="4589" actId="1038"/>
-          <ac:picMkLst>
-            <pc:docMk/>
-            <pc:sldMk cId="4212410690" sldId="327"/>
-            <ac:picMk id="9" creationId="{66ABB122-526C-4A2E-B48F-92D2EDD2CBDA}"/>
-          </ac:picMkLst>
-        </pc:picChg>
-        <pc:picChg chg="add mod">
-          <ac:chgData name="Matthew Suderman" userId="2709995e-3ea8-4fb0-9b62-eb8034dec529" providerId="ADAL" clId="{4929D89B-CC43-4C41-92A5-3ABC52AE066B}" dt="2021-05-09T21:46:55.593" v="4589" actId="1038"/>
-          <ac:picMkLst>
-            <pc:docMk/>
-            <pc:sldMk cId="4212410690" sldId="327"/>
-            <ac:picMk id="6146" creationId="{9E55CD31-97F0-4625-8DC5-39502BD7A10B}"/>
-          </ac:picMkLst>
-        </pc:picChg>
-        <pc:picChg chg="add mod">
-          <ac:chgData name="Matthew Suderman" userId="2709995e-3ea8-4fb0-9b62-eb8034dec529" providerId="ADAL" clId="{4929D89B-CC43-4C41-92A5-3ABC52AE066B}" dt="2021-05-09T21:46:55.593" v="4589" actId="1038"/>
-          <ac:picMkLst>
-            <pc:docMk/>
-            <pc:sldMk cId="4212410690" sldId="327"/>
-            <ac:picMk id="6148" creationId="{985E8A3E-19FC-4F89-8BE4-F995B74F7764}"/>
-          </ac:picMkLst>
-        </pc:picChg>
-      </pc:sldChg>
-      <pc:sldChg chg="addSp delSp modSp add mod chgLayout">
-        <pc:chgData name="Matthew Suderman" userId="2709995e-3ea8-4fb0-9b62-eb8034dec529" providerId="ADAL" clId="{4929D89B-CC43-4C41-92A5-3ABC52AE066B}" dt="2021-05-09T22:07:43.491" v="5557" actId="20577"/>
-        <pc:sldMkLst>
-          <pc:docMk/>
-          <pc:sldMk cId="3921438810" sldId="328"/>
-        </pc:sldMkLst>
-        <pc:spChg chg="mod ord">
-          <ac:chgData name="Matthew Suderman" userId="2709995e-3ea8-4fb0-9b62-eb8034dec529" providerId="ADAL" clId="{4929D89B-CC43-4C41-92A5-3ABC52AE066B}" dt="2021-05-09T21:58:20.455" v="4664" actId="700"/>
-          <ac:spMkLst>
-            <pc:docMk/>
-            <pc:sldMk cId="3921438810" sldId="328"/>
-            <ac:spMk id="2" creationId="{BFF26262-655E-405F-BF25-0BD14DFB0BF3}"/>
-          </ac:spMkLst>
-        </pc:spChg>
-        <pc:spChg chg="add mod ord">
-          <ac:chgData name="Matthew Suderman" userId="2709995e-3ea8-4fb0-9b62-eb8034dec529" providerId="ADAL" clId="{4929D89B-CC43-4C41-92A5-3ABC52AE066B}" dt="2021-05-09T22:07:43.491" v="5557" actId="20577"/>
-          <ac:spMkLst>
-            <pc:docMk/>
-            <pc:sldMk cId="3921438810" sldId="328"/>
-            <ac:spMk id="4" creationId="{2155FD75-D4FF-4333-AB61-CD4E3E486A41}"/>
-          </ac:spMkLst>
-        </pc:spChg>
-        <pc:spChg chg="del">
-          <ac:chgData name="Matthew Suderman" userId="2709995e-3ea8-4fb0-9b62-eb8034dec529" providerId="ADAL" clId="{4929D89B-CC43-4C41-92A5-3ABC52AE066B}" dt="2021-05-09T21:49:04.348" v="4591" actId="478"/>
-          <ac:spMkLst>
-            <pc:docMk/>
-            <pc:sldMk cId="3921438810" sldId="328"/>
-            <ac:spMk id="10" creationId="{34E95C98-8D72-4BD5-9285-4A24B998AC1F}"/>
-          </ac:spMkLst>
-        </pc:spChg>
-        <pc:spChg chg="del">
-          <ac:chgData name="Matthew Suderman" userId="2709995e-3ea8-4fb0-9b62-eb8034dec529" providerId="ADAL" clId="{4929D89B-CC43-4C41-92A5-3ABC52AE066B}" dt="2021-05-09T21:49:04.348" v="4591" actId="478"/>
-          <ac:spMkLst>
-            <pc:docMk/>
-            <pc:sldMk cId="3921438810" sldId="328"/>
-            <ac:spMk id="11" creationId="{BF4E871C-FE79-4187-8D91-17E07A078D9C}"/>
-          </ac:spMkLst>
-        </pc:spChg>
-        <pc:spChg chg="del">
-          <ac:chgData name="Matthew Suderman" userId="2709995e-3ea8-4fb0-9b62-eb8034dec529" providerId="ADAL" clId="{4929D89B-CC43-4C41-92A5-3ABC52AE066B}" dt="2021-05-09T21:49:04.348" v="4591" actId="478"/>
-          <ac:spMkLst>
-            <pc:docMk/>
-            <pc:sldMk cId="3921438810" sldId="328"/>
-            <ac:spMk id="12" creationId="{AF225118-ADA7-4819-9ADF-B602370C085D}"/>
-          </ac:spMkLst>
-        </pc:spChg>
-        <pc:spChg chg="del">
-          <ac:chgData name="Matthew Suderman" userId="2709995e-3ea8-4fb0-9b62-eb8034dec529" providerId="ADAL" clId="{4929D89B-CC43-4C41-92A5-3ABC52AE066B}" dt="2021-05-09T21:49:04.348" v="4591" actId="478"/>
-          <ac:spMkLst>
-            <pc:docMk/>
-            <pc:sldMk cId="3921438810" sldId="328"/>
-            <ac:spMk id="13" creationId="{2C089E31-C5CC-493C-A0B4-8D729A186FA9}"/>
-          </ac:spMkLst>
-        </pc:spChg>
-        <pc:spChg chg="del">
-          <ac:chgData name="Matthew Suderman" userId="2709995e-3ea8-4fb0-9b62-eb8034dec529" providerId="ADAL" clId="{4929D89B-CC43-4C41-92A5-3ABC52AE066B}" dt="2021-05-09T21:49:04.348" v="4591" actId="478"/>
-          <ac:spMkLst>
-            <pc:docMk/>
-            <pc:sldMk cId="3921438810" sldId="328"/>
-            <ac:spMk id="14" creationId="{5FDA0845-49C0-4C3D-AA3E-7969A05FDAF3}"/>
-          </ac:spMkLst>
-        </pc:spChg>
-        <pc:spChg chg="del">
-          <ac:chgData name="Matthew Suderman" userId="2709995e-3ea8-4fb0-9b62-eb8034dec529" providerId="ADAL" clId="{4929D89B-CC43-4C41-92A5-3ABC52AE066B}" dt="2021-05-09T21:49:04.348" v="4591" actId="478"/>
-          <ac:spMkLst>
-            <pc:docMk/>
-            <pc:sldMk cId="3921438810" sldId="328"/>
-            <ac:spMk id="17" creationId="{7F055729-4EAC-40B9-A1C1-88E5620ACD87}"/>
-          </ac:spMkLst>
-        </pc:spChg>
-        <pc:picChg chg="add mod modCrop">
-          <ac:chgData name="Matthew Suderman" userId="2709995e-3ea8-4fb0-9b62-eb8034dec529" providerId="ADAL" clId="{4929D89B-CC43-4C41-92A5-3ABC52AE066B}" dt="2021-05-09T22:01:59.654" v="4876" actId="1076"/>
-          <ac:picMkLst>
-            <pc:docMk/>
-            <pc:sldMk cId="3921438810" sldId="328"/>
-            <ac:picMk id="3" creationId="{EC50822E-B7AF-4C7D-9800-892746F4A766}"/>
-          </ac:picMkLst>
-        </pc:picChg>
-        <pc:picChg chg="del">
-          <ac:chgData name="Matthew Suderman" userId="2709995e-3ea8-4fb0-9b62-eb8034dec529" providerId="ADAL" clId="{4929D89B-CC43-4C41-92A5-3ABC52AE066B}" dt="2021-05-09T21:49:04.348" v="4591" actId="478"/>
-          <ac:picMkLst>
-            <pc:docMk/>
-            <pc:sldMk cId="3921438810" sldId="328"/>
-            <ac:picMk id="5" creationId="{66F1770B-4E71-48AF-8D7F-89C7CA0F369E}"/>
-          </ac:picMkLst>
-        </pc:picChg>
-        <pc:picChg chg="del">
-          <ac:chgData name="Matthew Suderman" userId="2709995e-3ea8-4fb0-9b62-eb8034dec529" providerId="ADAL" clId="{4929D89B-CC43-4C41-92A5-3ABC52AE066B}" dt="2021-05-09T21:49:04.348" v="4591" actId="478"/>
-          <ac:picMkLst>
-            <pc:docMk/>
-            <pc:sldMk cId="3921438810" sldId="328"/>
-            <ac:picMk id="8" creationId="{422D1C35-6ADA-492C-8738-438D5A71537E}"/>
-          </ac:picMkLst>
-        </pc:picChg>
-        <pc:picChg chg="del">
-          <ac:chgData name="Matthew Suderman" userId="2709995e-3ea8-4fb0-9b62-eb8034dec529" providerId="ADAL" clId="{4929D89B-CC43-4C41-92A5-3ABC52AE066B}" dt="2021-05-09T21:49:04.348" v="4591" actId="478"/>
-          <ac:picMkLst>
-            <pc:docMk/>
-            <pc:sldMk cId="3921438810" sldId="328"/>
-            <ac:picMk id="9" creationId="{66ABB122-526C-4A2E-B48F-92D2EDD2CBDA}"/>
-          </ac:picMkLst>
-        </pc:picChg>
-        <pc:picChg chg="del">
-          <ac:chgData name="Matthew Suderman" userId="2709995e-3ea8-4fb0-9b62-eb8034dec529" providerId="ADAL" clId="{4929D89B-CC43-4C41-92A5-3ABC52AE066B}" dt="2021-05-09T21:49:04.348" v="4591" actId="478"/>
-          <ac:picMkLst>
-            <pc:docMk/>
-            <pc:sldMk cId="3921438810" sldId="328"/>
-            <ac:picMk id="6146" creationId="{9E55CD31-97F0-4625-8DC5-39502BD7A10B}"/>
-          </ac:picMkLst>
-        </pc:picChg>
-        <pc:picChg chg="del">
-          <ac:chgData name="Matthew Suderman" userId="2709995e-3ea8-4fb0-9b62-eb8034dec529" providerId="ADAL" clId="{4929D89B-CC43-4C41-92A5-3ABC52AE066B}" dt="2021-05-09T21:49:04.348" v="4591" actId="478"/>
-          <ac:picMkLst>
-            <pc:docMk/>
-            <pc:sldMk cId="3921438810" sldId="328"/>
-            <ac:picMk id="6148" creationId="{985E8A3E-19FC-4F89-8BE4-F995B74F7764}"/>
-          </ac:picMkLst>
-        </pc:picChg>
-      </pc:sldChg>
-      <pc:sldChg chg="delSp modSp add del mod ord">
-        <pc:chgData name="Matthew Suderman" userId="2709995e-3ea8-4fb0-9b62-eb8034dec529" providerId="ADAL" clId="{4929D89B-CC43-4C41-92A5-3ABC52AE066B}" dt="2021-05-09T22:34:10.019" v="6272" actId="2696"/>
-        <pc:sldMkLst>
-          <pc:docMk/>
-          <pc:sldMk cId="4243540046" sldId="329"/>
-        </pc:sldMkLst>
-        <pc:spChg chg="mod">
-          <ac:chgData name="Matthew Suderman" userId="2709995e-3ea8-4fb0-9b62-eb8034dec529" providerId="ADAL" clId="{4929D89B-CC43-4C41-92A5-3ABC52AE066B}" dt="2021-05-09T22:09:06.575" v="5601" actId="20577"/>
-          <ac:spMkLst>
-            <pc:docMk/>
-            <pc:sldMk cId="4243540046" sldId="329"/>
-            <ac:spMk id="2" creationId="{BFF26262-655E-405F-BF25-0BD14DFB0BF3}"/>
-          </ac:spMkLst>
-        </pc:spChg>
-        <pc:spChg chg="mod">
-          <ac:chgData name="Matthew Suderman" userId="2709995e-3ea8-4fb0-9b62-eb8034dec529" providerId="ADAL" clId="{4929D89B-CC43-4C41-92A5-3ABC52AE066B}" dt="2021-05-09T22:14:58.423" v="5820" actId="20577"/>
-          <ac:spMkLst>
-            <pc:docMk/>
-            <pc:sldMk cId="4243540046" sldId="329"/>
-            <ac:spMk id="4" creationId="{2155FD75-D4FF-4333-AB61-CD4E3E486A41}"/>
-          </ac:spMkLst>
-        </pc:spChg>
-        <pc:picChg chg="del">
-          <ac:chgData name="Matthew Suderman" userId="2709995e-3ea8-4fb0-9b62-eb8034dec529" providerId="ADAL" clId="{4929D89B-CC43-4C41-92A5-3ABC52AE066B}" dt="2021-05-09T22:08:44.617" v="5559" actId="478"/>
-          <ac:picMkLst>
-            <pc:docMk/>
-            <pc:sldMk cId="4243540046" sldId="329"/>
-            <ac:picMk id="3" creationId="{EC50822E-B7AF-4C7D-9800-892746F4A766}"/>
-          </ac:picMkLst>
-        </pc:picChg>
-      </pc:sldChg>
-      <pc:sldChg chg="modSp add mod">
-        <pc:chgData name="Matthew Suderman" userId="2709995e-3ea8-4fb0-9b62-eb8034dec529" providerId="ADAL" clId="{4929D89B-CC43-4C41-92A5-3ABC52AE066B}" dt="2021-05-09T22:42:19.970" v="7049" actId="20577"/>
-        <pc:sldMkLst>
-          <pc:docMk/>
-          <pc:sldMk cId="3849100915" sldId="330"/>
-        </pc:sldMkLst>
-        <pc:spChg chg="mod">
-          <ac:chgData name="Matthew Suderman" userId="2709995e-3ea8-4fb0-9b62-eb8034dec529" providerId="ADAL" clId="{4929D89B-CC43-4C41-92A5-3ABC52AE066B}" dt="2021-05-09T22:34:30.822" v="6312" actId="20577"/>
-          <ac:spMkLst>
-            <pc:docMk/>
-            <pc:sldMk cId="3849100915" sldId="330"/>
-            <ac:spMk id="2" creationId="{BFF26262-655E-405F-BF25-0BD14DFB0BF3}"/>
-          </ac:spMkLst>
-        </pc:spChg>
-        <pc:spChg chg="mod">
-          <ac:chgData name="Matthew Suderman" userId="2709995e-3ea8-4fb0-9b62-eb8034dec529" providerId="ADAL" clId="{4929D89B-CC43-4C41-92A5-3ABC52AE066B}" dt="2021-05-09T22:42:19.970" v="7049" actId="20577"/>
-          <ac:spMkLst>
-            <pc:docMk/>
-            <pc:sldMk cId="3849100915" sldId="330"/>
-            <ac:spMk id="4" creationId="{2155FD75-D4FF-4333-AB61-CD4E3E486A41}"/>
-          </ac:spMkLst>
-        </pc:spChg>
-      </pc:sldChg>
-      <pc:sldChg chg="addSp delSp modSp add mod ord">
-        <pc:chgData name="Matthew Suderman" userId="2709995e-3ea8-4fb0-9b62-eb8034dec529" providerId="ADAL" clId="{4929D89B-CC43-4C41-92A5-3ABC52AE066B}" dt="2021-05-09T22:33:56.889" v="6271" actId="113"/>
-        <pc:sldMkLst>
-          <pc:docMk/>
-          <pc:sldMk cId="1426400336" sldId="331"/>
-        </pc:sldMkLst>
-        <pc:spChg chg="mod">
-          <ac:chgData name="Matthew Suderman" userId="2709995e-3ea8-4fb0-9b62-eb8034dec529" providerId="ADAL" clId="{4929D89B-CC43-4C41-92A5-3ABC52AE066B}" dt="2021-05-09T22:32:02.455" v="6201" actId="20577"/>
-          <ac:spMkLst>
-            <pc:docMk/>
-            <pc:sldMk cId="1426400336" sldId="331"/>
-            <ac:spMk id="2" creationId="{BFF26262-655E-405F-BF25-0BD14DFB0BF3}"/>
-          </ac:spMkLst>
-        </pc:spChg>
-        <pc:spChg chg="del">
-          <ac:chgData name="Matthew Suderman" userId="2709995e-3ea8-4fb0-9b62-eb8034dec529" providerId="ADAL" clId="{4929D89B-CC43-4C41-92A5-3ABC52AE066B}" dt="2021-05-09T22:17:39.797" v="5855" actId="478"/>
-          <ac:spMkLst>
-            <pc:docMk/>
-            <pc:sldMk cId="1426400336" sldId="331"/>
-            <ac:spMk id="4" creationId="{2155FD75-D4FF-4333-AB61-CD4E3E486A41}"/>
-          </ac:spMkLst>
-        </pc:spChg>
-        <pc:spChg chg="add del mod">
-          <ac:chgData name="Matthew Suderman" userId="2709995e-3ea8-4fb0-9b62-eb8034dec529" providerId="ADAL" clId="{4929D89B-CC43-4C41-92A5-3ABC52AE066B}" dt="2021-05-09T22:17:44.905" v="5856" actId="478"/>
-          <ac:spMkLst>
-            <pc:docMk/>
-            <pc:sldMk cId="1426400336" sldId="331"/>
-            <ac:spMk id="6" creationId="{F3A76438-8F0C-4C33-8F2F-CF7391262DBE}"/>
-          </ac:spMkLst>
-        </pc:spChg>
-        <pc:spChg chg="add mod">
-          <ac:chgData name="Matthew Suderman" userId="2709995e-3ea8-4fb0-9b62-eb8034dec529" providerId="ADAL" clId="{4929D89B-CC43-4C41-92A5-3ABC52AE066B}" dt="2021-05-09T22:32:59.912" v="6238" actId="1035"/>
-          <ac:spMkLst>
-            <pc:docMk/>
-            <pc:sldMk cId="1426400336" sldId="331"/>
-            <ac:spMk id="8" creationId="{A7D1AB57-FB88-4070-9EF2-8C614C14549D}"/>
-          </ac:spMkLst>
-        </pc:spChg>
-        <pc:spChg chg="add mod">
-          <ac:chgData name="Matthew Suderman" userId="2709995e-3ea8-4fb0-9b62-eb8034dec529" providerId="ADAL" clId="{4929D89B-CC43-4C41-92A5-3ABC52AE066B}" dt="2021-05-09T22:32:59.912" v="6238" actId="1035"/>
-          <ac:spMkLst>
-            <pc:docMk/>
-            <pc:sldMk cId="1426400336" sldId="331"/>
-            <ac:spMk id="9" creationId="{A417B16F-6699-4C4E-9938-6B37789BB45D}"/>
-          </ac:spMkLst>
-        </pc:spChg>
-        <pc:spChg chg="add mod">
-          <ac:chgData name="Matthew Suderman" userId="2709995e-3ea8-4fb0-9b62-eb8034dec529" providerId="ADAL" clId="{4929D89B-CC43-4C41-92A5-3ABC52AE066B}" dt="2021-05-09T22:33:56.889" v="6271" actId="113"/>
-          <ac:spMkLst>
-            <pc:docMk/>
-            <pc:sldMk cId="1426400336" sldId="331"/>
-            <ac:spMk id="11" creationId="{02845647-7411-4BA2-9757-1FE0DF62AA38}"/>
-          </ac:spMkLst>
-        </pc:spChg>
-        <pc:picChg chg="del">
-          <ac:chgData name="Matthew Suderman" userId="2709995e-3ea8-4fb0-9b62-eb8034dec529" providerId="ADAL" clId="{4929D89B-CC43-4C41-92A5-3ABC52AE066B}" dt="2021-05-09T22:17:35.931" v="5854" actId="478"/>
-          <ac:picMkLst>
-            <pc:docMk/>
-            <pc:sldMk cId="1426400336" sldId="331"/>
-            <ac:picMk id="3" creationId="{EC50822E-B7AF-4C7D-9800-892746F4A766}"/>
-          </ac:picMkLst>
-        </pc:picChg>
-        <pc:picChg chg="add mod">
-          <ac:chgData name="Matthew Suderman" userId="2709995e-3ea8-4fb0-9b62-eb8034dec529" providerId="ADAL" clId="{4929D89B-CC43-4C41-92A5-3ABC52AE066B}" dt="2021-05-09T22:33:27.124" v="6248" actId="1035"/>
-          <ac:picMkLst>
-            <pc:docMk/>
-            <pc:sldMk cId="1426400336" sldId="331"/>
-            <ac:picMk id="7170" creationId="{398FA060-8571-4E9E-9CA2-73A146302439}"/>
-          </ac:picMkLst>
-        </pc:picChg>
-      </pc:sldChg>
-      <pc:sldChg chg="addSp delSp modSp add mod">
-        <pc:chgData name="Matthew Suderman" userId="2709995e-3ea8-4fb0-9b62-eb8034dec529" providerId="ADAL" clId="{4929D89B-CC43-4C41-92A5-3ABC52AE066B}" dt="2021-05-09T22:32:15.896" v="6232" actId="20577"/>
-        <pc:sldMkLst>
-          <pc:docMk/>
-          <pc:sldMk cId="3070378642" sldId="332"/>
-        </pc:sldMkLst>
-        <pc:spChg chg="mod">
-          <ac:chgData name="Matthew Suderman" userId="2709995e-3ea8-4fb0-9b62-eb8034dec529" providerId="ADAL" clId="{4929D89B-CC43-4C41-92A5-3ABC52AE066B}" dt="2021-05-09T22:32:15.896" v="6232" actId="20577"/>
-          <ac:spMkLst>
-            <pc:docMk/>
-            <pc:sldMk cId="3070378642" sldId="332"/>
-            <ac:spMk id="2" creationId="{BFF26262-655E-405F-BF25-0BD14DFB0BF3}"/>
-          </ac:spMkLst>
-        </pc:spChg>
-        <pc:spChg chg="del">
-          <ac:chgData name="Matthew Suderman" userId="2709995e-3ea8-4fb0-9b62-eb8034dec529" providerId="ADAL" clId="{4929D89B-CC43-4C41-92A5-3ABC52AE066B}" dt="2021-05-09T22:24:34.901" v="6027" actId="478"/>
-          <ac:spMkLst>
-            <pc:docMk/>
-            <pc:sldMk cId="3070378642" sldId="332"/>
-            <ac:spMk id="4" creationId="{2155FD75-D4FF-4333-AB61-CD4E3E486A41}"/>
-          </ac:spMkLst>
-        </pc:spChg>
-        <pc:spChg chg="add mod">
-          <ac:chgData name="Matthew Suderman" userId="2709995e-3ea8-4fb0-9b62-eb8034dec529" providerId="ADAL" clId="{4929D89B-CC43-4C41-92A5-3ABC52AE066B}" dt="2021-05-09T22:26:45.005" v="6149" actId="20577"/>
-          <ac:spMkLst>
-            <pc:docMk/>
-            <pc:sldMk cId="3070378642" sldId="332"/>
-            <ac:spMk id="6" creationId="{44CFBDE3-E17E-4171-A1D3-B1DC9F89B252}"/>
-          </ac:spMkLst>
-        </pc:spChg>
-        <pc:picChg chg="del">
-          <ac:chgData name="Matthew Suderman" userId="2709995e-3ea8-4fb0-9b62-eb8034dec529" providerId="ADAL" clId="{4929D89B-CC43-4C41-92A5-3ABC52AE066B}" dt="2021-05-09T22:24:37.679" v="6028" actId="478"/>
-          <ac:picMkLst>
-            <pc:docMk/>
-            <pc:sldMk cId="3070378642" sldId="332"/>
-            <ac:picMk id="3" creationId="{EC50822E-B7AF-4C7D-9800-892746F4A766}"/>
-          </ac:picMkLst>
-        </pc:picChg>
-        <pc:picChg chg="add mod">
-          <ac:chgData name="Matthew Suderman" userId="2709995e-3ea8-4fb0-9b62-eb8034dec529" providerId="ADAL" clId="{4929D89B-CC43-4C41-92A5-3ABC52AE066B}" dt="2021-05-09T22:26:53.398" v="6151" actId="1076"/>
-          <ac:picMkLst>
-            <pc:docMk/>
-            <pc:sldMk cId="3070378642" sldId="332"/>
-            <ac:picMk id="8194" creationId="{7FD29078-425B-4474-ACF8-C3ABBC680783}"/>
-          </ac:picMkLst>
-        </pc:picChg>
-      </pc:sldChg>
-      <pc:sldMasterChg chg="addSp delSp modSp mod">
-        <pc:chgData name="Matthew Suderman" userId="2709995e-3ea8-4fb0-9b62-eb8034dec529" providerId="ADAL" clId="{4929D89B-CC43-4C41-92A5-3ABC52AE066B}" dt="2021-05-08T21:24:35.655" v="32" actId="1038"/>
-        <pc:sldMasterMkLst>
-          <pc:docMk/>
-          <pc:sldMasterMk cId="0" sldId="2147483648"/>
-        </pc:sldMasterMkLst>
-        <pc:picChg chg="add del mod">
-          <ac:chgData name="Matthew Suderman" userId="2709995e-3ea8-4fb0-9b62-eb8034dec529" providerId="ADAL" clId="{4929D89B-CC43-4C41-92A5-3ABC52AE066B}" dt="2021-05-08T21:23:32.488" v="3" actId="478"/>
-          <ac:picMkLst>
-            <pc:docMk/>
-            <pc:sldMasterMk cId="0" sldId="2147483648"/>
-            <ac:picMk id="4" creationId="{69045306-24DF-4262-9C0C-B6FCB3EE29BD}"/>
-          </ac:picMkLst>
-        </pc:picChg>
-        <pc:picChg chg="add mod">
-          <ac:chgData name="Matthew Suderman" userId="2709995e-3ea8-4fb0-9b62-eb8034dec529" providerId="ADAL" clId="{4929D89B-CC43-4C41-92A5-3ABC52AE066B}" dt="2021-05-08T21:24:35.655" v="32" actId="1038"/>
-          <ac:picMkLst>
-            <pc:docMk/>
-            <pc:sldMasterMk cId="0" sldId="2147483648"/>
-            <ac:picMk id="7" creationId="{77226A00-C8B1-43FE-8F27-8BAE794011B4}"/>
-          </ac:picMkLst>
-        </pc:picChg>
-      </pc:sldMasterChg>
-      <pc:sldMasterChg chg="modSp">
-        <pc:chgData name="Matthew Suderman" userId="2709995e-3ea8-4fb0-9b62-eb8034dec529" providerId="ADAL" clId="{4929D89B-CC43-4C41-92A5-3ABC52AE066B}" dt="2021-05-08T23:10:15.682" v="1748" actId="207"/>
-        <pc:sldMasterMkLst>
-          <pc:docMk/>
-          <pc:sldMasterMk cId="0" sldId="2147483654"/>
-        </pc:sldMasterMkLst>
-        <pc:spChg chg="mod">
-          <ac:chgData name="Matthew Suderman" userId="2709995e-3ea8-4fb0-9b62-eb8034dec529" providerId="ADAL" clId="{4929D89B-CC43-4C41-92A5-3ABC52AE066B}" dt="2021-05-08T23:10:15.682" v="1748" actId="207"/>
-          <ac:spMkLst>
-            <pc:docMk/>
-            <pc:sldMasterMk cId="0" sldId="2147483654"/>
-            <ac:spMk id="421891" creationId="{00000000-0000-0000-0000-000000000000}"/>
-          </ac:spMkLst>
-        </pc:spChg>
-      </pc:sldMasterChg>
-    </pc:docChg>
-  </pc:docChgLst>
   <pc:docChgLst>
     <pc:chgData name="Matthew Suderman" userId="2709995e-3ea8-4fb0-9b62-eb8034dec529" providerId="ADAL" clId="{DF0DE5FE-C3FC-4DFD-AA4A-24BCEA060E47}"/>
     <pc:docChg chg="undo custSel addSld delSld modSld sldOrd">
@@ -1579,6 +614,1083 @@
           </ac:spMkLst>
         </pc:spChg>
       </pc:sldChg>
+    </pc:docChg>
+  </pc:docChgLst>
+  <pc:docChgLst>
+    <pc:chgData name="Matthew Suderman" userId="S::ms13525@bristol.ac.uk::2709995e-3ea8-4fb0-9b62-eb8034dec529" providerId="AD" clId="Web-{E36E45B3-E198-6188-927C-C5368E2754D6}"/>
+    <pc:docChg chg="addSld modSld sldOrd">
+      <pc:chgData name="Matthew Suderman" userId="S::ms13525@bristol.ac.uk::2709995e-3ea8-4fb0-9b62-eb8034dec529" providerId="AD" clId="Web-{E36E45B3-E198-6188-927C-C5368E2754D6}" dt="2021-06-07T11:01:08.102" v="64"/>
+      <pc:docMkLst>
+        <pc:docMk/>
+      </pc:docMkLst>
+      <pc:sldChg chg="addSp delSp modSp">
+        <pc:chgData name="Matthew Suderman" userId="S::ms13525@bristol.ac.uk::2709995e-3ea8-4fb0-9b62-eb8034dec529" providerId="AD" clId="Web-{E36E45B3-E198-6188-927C-C5368E2754D6}" dt="2021-06-07T10:58:26.927" v="36" actId="14100"/>
+        <pc:sldMkLst>
+          <pc:docMk/>
+          <pc:sldMk cId="4252548372" sldId="330"/>
+        </pc:sldMkLst>
+        <pc:spChg chg="mod">
+          <ac:chgData name="Matthew Suderman" userId="S::ms13525@bristol.ac.uk::2709995e-3ea8-4fb0-9b62-eb8034dec529" providerId="AD" clId="Web-{E36E45B3-E198-6188-927C-C5368E2754D6}" dt="2021-06-07T10:58:26.927" v="36" actId="14100"/>
+          <ac:spMkLst>
+            <pc:docMk/>
+            <pc:sldMk cId="4252548372" sldId="330"/>
+            <ac:spMk id="3" creationId="{A3E9A2EF-5D00-4605-BA90-3C4860EA4C3E}"/>
+          </ac:spMkLst>
+        </pc:spChg>
+        <pc:picChg chg="add del mod">
+          <ac:chgData name="Matthew Suderman" userId="S::ms13525@bristol.ac.uk::2709995e-3ea8-4fb0-9b62-eb8034dec529" providerId="AD" clId="Web-{E36E45B3-E198-6188-927C-C5368E2754D6}" dt="2021-06-07T10:57:01.347" v="10"/>
+          <ac:picMkLst>
+            <pc:docMk/>
+            <pc:sldMk cId="4252548372" sldId="330"/>
+            <ac:picMk id="4" creationId="{0A71D40A-B524-4E2D-93EF-790D89BD4275}"/>
+          </ac:picMkLst>
+        </pc:picChg>
+      </pc:sldChg>
+      <pc:sldChg chg="modSp">
+        <pc:chgData name="Matthew Suderman" userId="S::ms13525@bristol.ac.uk::2709995e-3ea8-4fb0-9b62-eb8034dec529" providerId="AD" clId="Web-{E36E45B3-E198-6188-927C-C5368E2754D6}" dt="2021-06-07T10:51:32.324" v="7" actId="20577"/>
+        <pc:sldMkLst>
+          <pc:docMk/>
+          <pc:sldMk cId="3683323943" sldId="332"/>
+        </pc:sldMkLst>
+        <pc:spChg chg="mod">
+          <ac:chgData name="Matthew Suderman" userId="S::ms13525@bristol.ac.uk::2709995e-3ea8-4fb0-9b62-eb8034dec529" providerId="AD" clId="Web-{E36E45B3-E198-6188-927C-C5368E2754D6}" dt="2021-06-07T10:51:32.324" v="7" actId="20577"/>
+          <ac:spMkLst>
+            <pc:docMk/>
+            <pc:sldMk cId="3683323943" sldId="332"/>
+            <ac:spMk id="2" creationId="{418A0246-D388-44B0-A880-F5F8B680AA6F}"/>
+          </ac:spMkLst>
+        </pc:spChg>
+      </pc:sldChg>
+      <pc:sldChg chg="addSp delSp modSp new ord">
+        <pc:chgData name="Matthew Suderman" userId="S::ms13525@bristol.ac.uk::2709995e-3ea8-4fb0-9b62-eb8034dec529" providerId="AD" clId="Web-{E36E45B3-E198-6188-927C-C5368E2754D6}" dt="2021-06-07T11:01:08.102" v="64"/>
+        <pc:sldMkLst>
+          <pc:docMk/>
+          <pc:sldMk cId="1631015651" sldId="333"/>
+        </pc:sldMkLst>
+        <pc:spChg chg="mod">
+          <ac:chgData name="Matthew Suderman" userId="S::ms13525@bristol.ac.uk::2709995e-3ea8-4fb0-9b62-eb8034dec529" providerId="AD" clId="Web-{E36E45B3-E198-6188-927C-C5368E2754D6}" dt="2021-06-07T10:57:06.003" v="16" actId="20577"/>
+          <ac:spMkLst>
+            <pc:docMk/>
+            <pc:sldMk cId="1631015651" sldId="333"/>
+            <ac:spMk id="2" creationId="{FCBCF327-34D9-4D45-AE1C-27F3325A2D86}"/>
+          </ac:spMkLst>
+        </pc:spChg>
+        <pc:spChg chg="del">
+          <ac:chgData name="Matthew Suderman" userId="S::ms13525@bristol.ac.uk::2709995e-3ea8-4fb0-9b62-eb8034dec529" providerId="AD" clId="Web-{E36E45B3-E198-6188-927C-C5368E2754D6}" dt="2021-06-07T10:57:10.409" v="17"/>
+          <ac:spMkLst>
+            <pc:docMk/>
+            <pc:sldMk cId="1631015651" sldId="333"/>
+            <ac:spMk id="3" creationId="{CA2EAA9C-FCD7-44BB-8246-ACA9DECCDD79}"/>
+          </ac:spMkLst>
+        </pc:spChg>
+        <pc:spChg chg="add mod ord">
+          <ac:chgData name="Matthew Suderman" userId="S::ms13525@bristol.ac.uk::2709995e-3ea8-4fb0-9b62-eb8034dec529" providerId="AD" clId="Web-{E36E45B3-E198-6188-927C-C5368E2754D6}" dt="2021-06-07T10:58:22.770" v="35" actId="14100"/>
+          <ac:spMkLst>
+            <pc:docMk/>
+            <pc:sldMk cId="1631015651" sldId="333"/>
+            <ac:spMk id="6" creationId="{936E5375-F5D5-4388-AB74-94AC4A656D0B}"/>
+          </ac:spMkLst>
+        </pc:spChg>
+        <pc:spChg chg="add del mod">
+          <ac:chgData name="Matthew Suderman" userId="S::ms13525@bristol.ac.uk::2709995e-3ea8-4fb0-9b62-eb8034dec529" providerId="AD" clId="Web-{E36E45B3-E198-6188-927C-C5368E2754D6}" dt="2021-06-07T10:58:14.723" v="32"/>
+          <ac:spMkLst>
+            <pc:docMk/>
+            <pc:sldMk cId="1631015651" sldId="333"/>
+            <ac:spMk id="8" creationId="{87EDD481-5027-46E8-9810-F234E9F3D9BB}"/>
+          </ac:spMkLst>
+        </pc:spChg>
+        <pc:spChg chg="add mod">
+          <ac:chgData name="Matthew Suderman" userId="S::ms13525@bristol.ac.uk::2709995e-3ea8-4fb0-9b62-eb8034dec529" providerId="AD" clId="Web-{E36E45B3-E198-6188-927C-C5368E2754D6}" dt="2021-06-07T11:01:03.102" v="63" actId="14100"/>
+          <ac:spMkLst>
+            <pc:docMk/>
+            <pc:sldMk cId="1631015651" sldId="333"/>
+            <ac:spMk id="10" creationId="{4BEEEBB7-8A1A-4B39-8B57-17662F4186C0}"/>
+          </ac:spMkLst>
+        </pc:spChg>
+        <pc:picChg chg="add del mod ord">
+          <ac:chgData name="Matthew Suderman" userId="S::ms13525@bristol.ac.uk::2709995e-3ea8-4fb0-9b62-eb8034dec529" providerId="AD" clId="Web-{E36E45B3-E198-6188-927C-C5368E2754D6}" dt="2021-06-07T10:58:04.676" v="31"/>
+          <ac:picMkLst>
+            <pc:docMk/>
+            <pc:sldMk cId="1631015651" sldId="333"/>
+            <ac:picMk id="4" creationId="{06A5878E-8C1B-417D-94FC-688663BF5D08}"/>
+          </ac:picMkLst>
+        </pc:picChg>
+        <pc:picChg chg="add mod ord">
+          <ac:chgData name="Matthew Suderman" userId="S::ms13525@bristol.ac.uk::2709995e-3ea8-4fb0-9b62-eb8034dec529" providerId="AD" clId="Web-{E36E45B3-E198-6188-927C-C5368E2754D6}" dt="2021-06-07T10:59:44.960" v="48" actId="1076"/>
+          <ac:picMkLst>
+            <pc:docMk/>
+            <pc:sldMk cId="1631015651" sldId="333"/>
+            <ac:picMk id="9" creationId="{75F018F0-2107-4E9C-A414-DAA51B8D4737}"/>
+          </ac:picMkLst>
+        </pc:picChg>
+      </pc:sldChg>
+    </pc:docChg>
+  </pc:docChgLst>
+  <pc:docChgLst>
+    <pc:chgData name="Matthew Suderman" userId="2709995e-3ea8-4fb0-9b62-eb8034dec529" providerId="ADAL" clId="{4929D89B-CC43-4C41-92A5-3ABC52AE066B}"/>
+    <pc:docChg chg="undo custSel addSld delSld modSld sldOrd modMainMaster">
+      <pc:chgData name="Matthew Suderman" userId="2709995e-3ea8-4fb0-9b62-eb8034dec529" providerId="ADAL" clId="{4929D89B-CC43-4C41-92A5-3ABC52AE066B}" dt="2021-05-09T23:36:15.162" v="8344" actId="1076"/>
+      <pc:docMkLst>
+        <pc:docMk/>
+      </pc:docMkLst>
+      <pc:sldChg chg="modSp mod">
+        <pc:chgData name="Matthew Suderman" userId="2709995e-3ea8-4fb0-9b62-eb8034dec529" providerId="ADAL" clId="{4929D89B-CC43-4C41-92A5-3ABC52AE066B}" dt="2021-05-08T21:25:25.709" v="184" actId="20577"/>
+        <pc:sldMkLst>
+          <pc:docMk/>
+          <pc:sldMk cId="0" sldId="288"/>
+        </pc:sldMkLst>
+        <pc:spChg chg="mod">
+          <ac:chgData name="Matthew Suderman" userId="2709995e-3ea8-4fb0-9b62-eb8034dec529" providerId="ADAL" clId="{4929D89B-CC43-4C41-92A5-3ABC52AE066B}" dt="2021-05-08T21:25:25.709" v="184" actId="20577"/>
+          <ac:spMkLst>
+            <pc:docMk/>
+            <pc:sldMk cId="0" sldId="288"/>
+            <ac:spMk id="3" creationId="{00000000-0000-0000-0000-000000000000}"/>
+          </ac:spMkLst>
+        </pc:spChg>
+      </pc:sldChg>
+      <pc:sldChg chg="addSp delSp modSp mod">
+        <pc:chgData name="Matthew Suderman" userId="2709995e-3ea8-4fb0-9b62-eb8034dec529" providerId="ADAL" clId="{4929D89B-CC43-4C41-92A5-3ABC52AE066B}" dt="2021-05-08T22:10:57.577" v="911" actId="1076"/>
+        <pc:sldMkLst>
+          <pc:docMk/>
+          <pc:sldMk cId="0" sldId="318"/>
+        </pc:sldMkLst>
+        <pc:spChg chg="mod">
+          <ac:chgData name="Matthew Suderman" userId="2709995e-3ea8-4fb0-9b62-eb8034dec529" providerId="ADAL" clId="{4929D89B-CC43-4C41-92A5-3ABC52AE066B}" dt="2021-05-08T21:43:49.766" v="201" actId="20577"/>
+          <ac:spMkLst>
+            <pc:docMk/>
+            <pc:sldMk cId="0" sldId="318"/>
+            <ac:spMk id="2" creationId="{00000000-0000-0000-0000-000000000000}"/>
+          </ac:spMkLst>
+        </pc:spChg>
+        <pc:spChg chg="del">
+          <ac:chgData name="Matthew Suderman" userId="2709995e-3ea8-4fb0-9b62-eb8034dec529" providerId="ADAL" clId="{4929D89B-CC43-4C41-92A5-3ABC52AE066B}" dt="2021-05-08T21:44:02.088" v="202" actId="3680"/>
+          <ac:spMkLst>
+            <pc:docMk/>
+            <pc:sldMk cId="0" sldId="318"/>
+            <ac:spMk id="3" creationId="{00000000-0000-0000-0000-000000000000}"/>
+          </ac:spMkLst>
+        </pc:spChg>
+        <pc:graphicFrameChg chg="add mod ord modGraphic">
+          <ac:chgData name="Matthew Suderman" userId="2709995e-3ea8-4fb0-9b62-eb8034dec529" providerId="ADAL" clId="{4929D89B-CC43-4C41-92A5-3ABC52AE066B}" dt="2021-05-08T22:10:57.577" v="911" actId="1076"/>
+          <ac:graphicFrameMkLst>
+            <pc:docMk/>
+            <pc:sldMk cId="0" sldId="318"/>
+            <ac:graphicFrameMk id="4" creationId="{F534F4DB-5FFD-47BE-B9BC-84765E6BA4F9}"/>
+          </ac:graphicFrameMkLst>
+        </pc:graphicFrameChg>
+      </pc:sldChg>
+      <pc:sldChg chg="modSp add mod">
+        <pc:chgData name="Matthew Suderman" userId="2709995e-3ea8-4fb0-9b62-eb8034dec529" providerId="ADAL" clId="{4929D89B-CC43-4C41-92A5-3ABC52AE066B}" dt="2021-05-08T22:53:36.518" v="1685" actId="20577"/>
+        <pc:sldMkLst>
+          <pc:docMk/>
+          <pc:sldMk cId="2336004713" sldId="319"/>
+        </pc:sldMkLst>
+        <pc:spChg chg="mod">
+          <ac:chgData name="Matthew Suderman" userId="2709995e-3ea8-4fb0-9b62-eb8034dec529" providerId="ADAL" clId="{4929D89B-CC43-4C41-92A5-3ABC52AE066B}" dt="2021-05-08T21:49:18.135" v="591" actId="20577"/>
+          <ac:spMkLst>
+            <pc:docMk/>
+            <pc:sldMk cId="2336004713" sldId="319"/>
+            <ac:spMk id="2" creationId="{00000000-0000-0000-0000-000000000000}"/>
+          </ac:spMkLst>
+        </pc:spChg>
+        <pc:graphicFrameChg chg="mod modGraphic">
+          <ac:chgData name="Matthew Suderman" userId="2709995e-3ea8-4fb0-9b62-eb8034dec529" providerId="ADAL" clId="{4929D89B-CC43-4C41-92A5-3ABC52AE066B}" dt="2021-05-08T22:53:36.518" v="1685" actId="20577"/>
+          <ac:graphicFrameMkLst>
+            <pc:docMk/>
+            <pc:sldMk cId="2336004713" sldId="319"/>
+            <ac:graphicFrameMk id="4" creationId="{F534F4DB-5FFD-47BE-B9BC-84765E6BA4F9}"/>
+          </ac:graphicFrameMkLst>
+        </pc:graphicFrameChg>
+      </pc:sldChg>
+      <pc:sldChg chg="addSp modSp new mod ord modClrScheme modAnim chgLayout">
+        <pc:chgData name="Matthew Suderman" userId="2709995e-3ea8-4fb0-9b62-eb8034dec529" providerId="ADAL" clId="{4929D89B-CC43-4C41-92A5-3ABC52AE066B}" dt="2021-05-09T20:33:09.319" v="2492"/>
+        <pc:sldMkLst>
+          <pc:docMk/>
+          <pc:sldMk cId="816193040" sldId="320"/>
+        </pc:sldMkLst>
+        <pc:spChg chg="mod ord">
+          <ac:chgData name="Matthew Suderman" userId="2709995e-3ea8-4fb0-9b62-eb8034dec529" providerId="ADAL" clId="{4929D89B-CC43-4C41-92A5-3ABC52AE066B}" dt="2021-05-08T23:11:59.618" v="1842" actId="20577"/>
+          <ac:spMkLst>
+            <pc:docMk/>
+            <pc:sldMk cId="816193040" sldId="320"/>
+            <ac:spMk id="2" creationId="{8238EA50-B781-4F75-B83E-DEFBABA4C919}"/>
+          </ac:spMkLst>
+        </pc:spChg>
+        <pc:spChg chg="mod ord">
+          <ac:chgData name="Matthew Suderman" userId="2709995e-3ea8-4fb0-9b62-eb8034dec529" providerId="ADAL" clId="{4929D89B-CC43-4C41-92A5-3ABC52AE066B}" dt="2021-05-09T20:32:08.594" v="2486" actId="113"/>
+          <ac:spMkLst>
+            <pc:docMk/>
+            <pc:sldMk cId="816193040" sldId="320"/>
+            <ac:spMk id="3" creationId="{6EFCEF31-A54D-4EC8-9CC8-3E8AFF6778AA}"/>
+          </ac:spMkLst>
+        </pc:spChg>
+        <pc:spChg chg="add mod ord">
+          <ac:chgData name="Matthew Suderman" userId="2709995e-3ea8-4fb0-9b62-eb8034dec529" providerId="ADAL" clId="{4929D89B-CC43-4C41-92A5-3ABC52AE066B}" dt="2021-05-09T20:32:22.077" v="2489" actId="20577"/>
+          <ac:spMkLst>
+            <pc:docMk/>
+            <pc:sldMk cId="816193040" sldId="320"/>
+            <ac:spMk id="4" creationId="{1C502A0C-F5D0-419A-B089-87B3FA139A23}"/>
+          </ac:spMkLst>
+        </pc:spChg>
+        <pc:picChg chg="add mod">
+          <ac:chgData name="Matthew Suderman" userId="2709995e-3ea8-4fb0-9b62-eb8034dec529" providerId="ADAL" clId="{4929D89B-CC43-4C41-92A5-3ABC52AE066B}" dt="2021-05-08T23:23:37.903" v="1896"/>
+          <ac:picMkLst>
+            <pc:docMk/>
+            <pc:sldMk cId="816193040" sldId="320"/>
+            <ac:picMk id="1026" creationId="{9CF13C15-4CA1-4012-B1AD-71CAA507D139}"/>
+          </ac:picMkLst>
+        </pc:picChg>
+      </pc:sldChg>
+      <pc:sldChg chg="addSp delSp modSp new mod modClrScheme chgLayout">
+        <pc:chgData name="Matthew Suderman" userId="2709995e-3ea8-4fb0-9b62-eb8034dec529" providerId="ADAL" clId="{4929D89B-CC43-4C41-92A5-3ABC52AE066B}" dt="2021-05-08T23:38:53.926" v="2213" actId="20577"/>
+        <pc:sldMkLst>
+          <pc:docMk/>
+          <pc:sldMk cId="141314306" sldId="321"/>
+        </pc:sldMkLst>
+        <pc:spChg chg="del mod ord">
+          <ac:chgData name="Matthew Suderman" userId="2709995e-3ea8-4fb0-9b62-eb8034dec529" providerId="ADAL" clId="{4929D89B-CC43-4C41-92A5-3ABC52AE066B}" dt="2021-05-08T23:25:57.544" v="1898" actId="700"/>
+          <ac:spMkLst>
+            <pc:docMk/>
+            <pc:sldMk cId="141314306" sldId="321"/>
+            <ac:spMk id="2" creationId="{D3557007-DB39-4428-84BC-441E8E15A34D}"/>
+          </ac:spMkLst>
+        </pc:spChg>
+        <pc:spChg chg="del mod ord">
+          <ac:chgData name="Matthew Suderman" userId="2709995e-3ea8-4fb0-9b62-eb8034dec529" providerId="ADAL" clId="{4929D89B-CC43-4C41-92A5-3ABC52AE066B}" dt="2021-05-08T23:25:57.544" v="1898" actId="700"/>
+          <ac:spMkLst>
+            <pc:docMk/>
+            <pc:sldMk cId="141314306" sldId="321"/>
+            <ac:spMk id="3" creationId="{2FC44F85-ED58-471D-AF4B-8A5200436580}"/>
+          </ac:spMkLst>
+        </pc:spChg>
+        <pc:spChg chg="del">
+          <ac:chgData name="Matthew Suderman" userId="2709995e-3ea8-4fb0-9b62-eb8034dec529" providerId="ADAL" clId="{4929D89B-CC43-4C41-92A5-3ABC52AE066B}" dt="2021-05-08T23:25:57.544" v="1898" actId="700"/>
+          <ac:spMkLst>
+            <pc:docMk/>
+            <pc:sldMk cId="141314306" sldId="321"/>
+            <ac:spMk id="4" creationId="{4AB1A330-F65F-4A5C-A797-9064C76B7376}"/>
+          </ac:spMkLst>
+        </pc:spChg>
+        <pc:spChg chg="add mod ord">
+          <ac:chgData name="Matthew Suderman" userId="2709995e-3ea8-4fb0-9b62-eb8034dec529" providerId="ADAL" clId="{4929D89B-CC43-4C41-92A5-3ABC52AE066B}" dt="2021-05-08T23:26:05.307" v="1925" actId="20577"/>
+          <ac:spMkLst>
+            <pc:docMk/>
+            <pc:sldMk cId="141314306" sldId="321"/>
+            <ac:spMk id="5" creationId="{8AAFEA23-6A2F-4028-85F5-934A467EC70A}"/>
+          </ac:spMkLst>
+        </pc:spChg>
+        <pc:spChg chg="add del mod ord">
+          <ac:chgData name="Matthew Suderman" userId="2709995e-3ea8-4fb0-9b62-eb8034dec529" providerId="ADAL" clId="{4929D89B-CC43-4C41-92A5-3ABC52AE066B}" dt="2021-05-08T23:28:14.135" v="1932" actId="22"/>
+          <ac:spMkLst>
+            <pc:docMk/>
+            <pc:sldMk cId="141314306" sldId="321"/>
+            <ac:spMk id="6" creationId="{EE547C99-8C4B-4F34-844F-9F2E9BE43200}"/>
+          </ac:spMkLst>
+        </pc:spChg>
+        <pc:spChg chg="add del mod">
+          <ac:chgData name="Matthew Suderman" userId="2709995e-3ea8-4fb0-9b62-eb8034dec529" providerId="ADAL" clId="{4929D89B-CC43-4C41-92A5-3ABC52AE066B}" dt="2021-05-08T23:29:31.754" v="1939" actId="478"/>
+          <ac:spMkLst>
+            <pc:docMk/>
+            <pc:sldMk cId="141314306" sldId="321"/>
+            <ac:spMk id="14" creationId="{EF5EB1F0-84A3-4E90-A48C-27CF1408CF2C}"/>
+          </ac:spMkLst>
+        </pc:spChg>
+        <pc:spChg chg="add mod">
+          <ac:chgData name="Matthew Suderman" userId="2709995e-3ea8-4fb0-9b62-eb8034dec529" providerId="ADAL" clId="{4929D89B-CC43-4C41-92A5-3ABC52AE066B}" dt="2021-05-08T23:38:53.926" v="2213" actId="20577"/>
+          <ac:spMkLst>
+            <pc:docMk/>
+            <pc:sldMk cId="141314306" sldId="321"/>
+            <ac:spMk id="18" creationId="{301FF7EE-0ADF-439B-A3CF-580446870B27}"/>
+          </ac:spMkLst>
+        </pc:spChg>
+        <pc:picChg chg="add del mod ord">
+          <ac:chgData name="Matthew Suderman" userId="2709995e-3ea8-4fb0-9b62-eb8034dec529" providerId="ADAL" clId="{4929D89B-CC43-4C41-92A5-3ABC52AE066B}" dt="2021-05-08T23:26:39.971" v="1929" actId="22"/>
+          <ac:picMkLst>
+            <pc:docMk/>
+            <pc:sldMk cId="141314306" sldId="321"/>
+            <ac:picMk id="8" creationId="{CAE063AF-FE4F-4A5F-97D8-47B2E9DB504A}"/>
+          </ac:picMkLst>
+        </pc:picChg>
+        <pc:picChg chg="add del mod ord">
+          <ac:chgData name="Matthew Suderman" userId="2709995e-3ea8-4fb0-9b62-eb8034dec529" providerId="ADAL" clId="{4929D89B-CC43-4C41-92A5-3ABC52AE066B}" dt="2021-05-08T23:27:14.505" v="1931" actId="22"/>
+          <ac:picMkLst>
+            <pc:docMk/>
+            <pc:sldMk cId="141314306" sldId="321"/>
+            <ac:picMk id="10" creationId="{84B87E6B-C0A0-4A08-BFEB-C9C00CF529A1}"/>
+          </ac:picMkLst>
+        </pc:picChg>
+        <pc:picChg chg="add del mod ord">
+          <ac:chgData name="Matthew Suderman" userId="2709995e-3ea8-4fb0-9b62-eb8034dec529" providerId="ADAL" clId="{4929D89B-CC43-4C41-92A5-3ABC52AE066B}" dt="2021-05-08T23:29:27.352" v="1938" actId="478"/>
+          <ac:picMkLst>
+            <pc:docMk/>
+            <pc:sldMk cId="141314306" sldId="321"/>
+            <ac:picMk id="12" creationId="{05A4FFE4-2012-43B7-9919-7D73B256D92C}"/>
+          </ac:picMkLst>
+        </pc:picChg>
+        <pc:picChg chg="add del mod">
+          <ac:chgData name="Matthew Suderman" userId="2709995e-3ea8-4fb0-9b62-eb8034dec529" providerId="ADAL" clId="{4929D89B-CC43-4C41-92A5-3ABC52AE066B}" dt="2021-05-08T23:26:20.652" v="1927"/>
+          <ac:picMkLst>
+            <pc:docMk/>
+            <pc:sldMk cId="141314306" sldId="321"/>
+            <ac:picMk id="2050" creationId="{2AE38787-5120-48F9-9E85-05D46D506781}"/>
+          </ac:picMkLst>
+        </pc:picChg>
+        <pc:picChg chg="add mod">
+          <ac:chgData name="Matthew Suderman" userId="2709995e-3ea8-4fb0-9b62-eb8034dec529" providerId="ADAL" clId="{4929D89B-CC43-4C41-92A5-3ABC52AE066B}" dt="2021-05-08T23:37:12.437" v="1988" actId="1036"/>
+          <ac:picMkLst>
+            <pc:docMk/>
+            <pc:sldMk cId="141314306" sldId="321"/>
+            <ac:picMk id="2052" creationId="{0E22FE60-72A6-4689-BEB6-1C05C968300A}"/>
+          </ac:picMkLst>
+        </pc:picChg>
+      </pc:sldChg>
+      <pc:sldChg chg="addSp modSp new mod">
+        <pc:chgData name="Matthew Suderman" userId="2709995e-3ea8-4fb0-9b62-eb8034dec529" providerId="ADAL" clId="{4929D89B-CC43-4C41-92A5-3ABC52AE066B}" dt="2021-05-08T23:50:47.122" v="2326" actId="14100"/>
+        <pc:sldMkLst>
+          <pc:docMk/>
+          <pc:sldMk cId="895679400" sldId="322"/>
+        </pc:sldMkLst>
+        <pc:spChg chg="mod">
+          <ac:chgData name="Matthew Suderman" userId="2709995e-3ea8-4fb0-9b62-eb8034dec529" providerId="ADAL" clId="{4929D89B-CC43-4C41-92A5-3ABC52AE066B}" dt="2021-05-08T23:41:06.926" v="2273" actId="20577"/>
+          <ac:spMkLst>
+            <pc:docMk/>
+            <pc:sldMk cId="895679400" sldId="322"/>
+            <ac:spMk id="2" creationId="{CB996505-222F-475B-971A-B2755697B6AB}"/>
+          </ac:spMkLst>
+        </pc:spChg>
+        <pc:spChg chg="mod">
+          <ac:chgData name="Matthew Suderman" userId="2709995e-3ea8-4fb0-9b62-eb8034dec529" providerId="ADAL" clId="{4929D89B-CC43-4C41-92A5-3ABC52AE066B}" dt="2021-05-08T23:50:47.122" v="2326" actId="14100"/>
+          <ac:spMkLst>
+            <pc:docMk/>
+            <pc:sldMk cId="895679400" sldId="322"/>
+            <ac:spMk id="3" creationId="{AE46E155-C119-4448-A3B3-673593A43676}"/>
+          </ac:spMkLst>
+        </pc:spChg>
+        <pc:spChg chg="add mod">
+          <ac:chgData name="Matthew Suderman" userId="2709995e-3ea8-4fb0-9b62-eb8034dec529" providerId="ADAL" clId="{4929D89B-CC43-4C41-92A5-3ABC52AE066B}" dt="2021-05-08T23:50:37.502" v="2324" actId="1037"/>
+          <ac:spMkLst>
+            <pc:docMk/>
+            <pc:sldMk cId="895679400" sldId="322"/>
+            <ac:spMk id="7" creationId="{FF678843-F203-47A5-ADB4-014B37152AF5}"/>
+          </ac:spMkLst>
+        </pc:spChg>
+        <pc:picChg chg="add mod">
+          <ac:chgData name="Matthew Suderman" userId="2709995e-3ea8-4fb0-9b62-eb8034dec529" providerId="ADAL" clId="{4929D89B-CC43-4C41-92A5-3ABC52AE066B}" dt="2021-05-08T23:50:37.502" v="2324" actId="1037"/>
+          <ac:picMkLst>
+            <pc:docMk/>
+            <pc:sldMk cId="895679400" sldId="322"/>
+            <ac:picMk id="3074" creationId="{A60F2464-6A3C-4145-881A-1514B2E7AE01}"/>
+          </ac:picMkLst>
+        </pc:picChg>
+        <pc:picChg chg="add mod">
+          <ac:chgData name="Matthew Suderman" userId="2709995e-3ea8-4fb0-9b62-eb8034dec529" providerId="ADAL" clId="{4929D89B-CC43-4C41-92A5-3ABC52AE066B}" dt="2021-05-08T23:50:37.502" v="2324" actId="1037"/>
+          <ac:picMkLst>
+            <pc:docMk/>
+            <pc:sldMk cId="895679400" sldId="322"/>
+            <ac:picMk id="3076" creationId="{5F87700E-D95C-48C1-A3D3-8DAA7AB0EA30}"/>
+          </ac:picMkLst>
+        </pc:picChg>
+      </pc:sldChg>
+      <pc:sldChg chg="addSp delSp modSp new mod ord">
+        <pc:chgData name="Matthew Suderman" userId="2709995e-3ea8-4fb0-9b62-eb8034dec529" providerId="ADAL" clId="{4929D89B-CC43-4C41-92A5-3ABC52AE066B}" dt="2021-05-09T20:29:09.508" v="2446"/>
+        <pc:sldMkLst>
+          <pc:docMk/>
+          <pc:sldMk cId="701847933" sldId="323"/>
+        </pc:sldMkLst>
+        <pc:spChg chg="mod">
+          <ac:chgData name="Matthew Suderman" userId="2709995e-3ea8-4fb0-9b62-eb8034dec529" providerId="ADAL" clId="{4929D89B-CC43-4C41-92A5-3ABC52AE066B}" dt="2021-05-08T23:51:40.460" v="2388" actId="20577"/>
+          <ac:spMkLst>
+            <pc:docMk/>
+            <pc:sldMk cId="701847933" sldId="323"/>
+            <ac:spMk id="2" creationId="{92109A3A-E10B-41FE-9947-5837639AF7FC}"/>
+          </ac:spMkLst>
+        </pc:spChg>
+        <pc:spChg chg="mod">
+          <ac:chgData name="Matthew Suderman" userId="2709995e-3ea8-4fb0-9b62-eb8034dec529" providerId="ADAL" clId="{4929D89B-CC43-4C41-92A5-3ABC52AE066B}" dt="2021-05-08T23:54:49.117" v="2399" actId="1076"/>
+          <ac:spMkLst>
+            <pc:docMk/>
+            <pc:sldMk cId="701847933" sldId="323"/>
+            <ac:spMk id="3" creationId="{308A18B3-CA9E-4907-BFB7-27C472D98F22}"/>
+          </ac:spMkLst>
+        </pc:spChg>
+        <pc:spChg chg="add del mod">
+          <ac:chgData name="Matthew Suderman" userId="2709995e-3ea8-4fb0-9b62-eb8034dec529" providerId="ADAL" clId="{4929D89B-CC43-4C41-92A5-3ABC52AE066B}" dt="2021-05-08T23:57:16.715" v="2404" actId="478"/>
+          <ac:spMkLst>
+            <pc:docMk/>
+            <pc:sldMk cId="701847933" sldId="323"/>
+            <ac:spMk id="6" creationId="{8E7FD320-2887-4BDD-AF45-DD7A37ABFBD7}"/>
+          </ac:spMkLst>
+        </pc:spChg>
+        <pc:spChg chg="add mod">
+          <ac:chgData name="Matthew Suderman" userId="2709995e-3ea8-4fb0-9b62-eb8034dec529" providerId="ADAL" clId="{4929D89B-CC43-4C41-92A5-3ABC52AE066B}" dt="2021-05-09T00:00:29.796" v="2442" actId="1076"/>
+          <ac:spMkLst>
+            <pc:docMk/>
+            <pc:sldMk cId="701847933" sldId="323"/>
+            <ac:spMk id="11" creationId="{91DB470B-AD26-415E-B03D-3E607987F598}"/>
+          </ac:spMkLst>
+        </pc:spChg>
+        <pc:picChg chg="add mod">
+          <ac:chgData name="Matthew Suderman" userId="2709995e-3ea8-4fb0-9b62-eb8034dec529" providerId="ADAL" clId="{4929D89B-CC43-4C41-92A5-3ABC52AE066B}" dt="2021-05-09T00:00:15.371" v="2439" actId="14100"/>
+          <ac:picMkLst>
+            <pc:docMk/>
+            <pc:sldMk cId="701847933" sldId="323"/>
+            <ac:picMk id="7" creationId="{B81E2B71-B1FF-4E5C-9B03-00B9C50E8EF9}"/>
+          </ac:picMkLst>
+        </pc:picChg>
+        <pc:picChg chg="add mod">
+          <ac:chgData name="Matthew Suderman" userId="2709995e-3ea8-4fb0-9b62-eb8034dec529" providerId="ADAL" clId="{4929D89B-CC43-4C41-92A5-3ABC52AE066B}" dt="2021-05-09T00:00:23.027" v="2441" actId="1037"/>
+          <ac:picMkLst>
+            <pc:docMk/>
+            <pc:sldMk cId="701847933" sldId="323"/>
+            <ac:picMk id="9" creationId="{B1B5677A-8D2D-4F45-9F0C-112E0C00E0C6}"/>
+          </ac:picMkLst>
+        </pc:picChg>
+        <pc:picChg chg="add mod">
+          <ac:chgData name="Matthew Suderman" userId="2709995e-3ea8-4fb0-9b62-eb8034dec529" providerId="ADAL" clId="{4929D89B-CC43-4C41-92A5-3ABC52AE066B}" dt="2021-05-09T00:00:23.027" v="2441" actId="1037"/>
+          <ac:picMkLst>
+            <pc:docMk/>
+            <pc:sldMk cId="701847933" sldId="323"/>
+            <ac:picMk id="4098" creationId="{17CCA2BF-0595-417B-8C4D-FFF9E310ADD7}"/>
+          </ac:picMkLst>
+        </pc:picChg>
+      </pc:sldChg>
+      <pc:sldChg chg="addSp delSp modSp new mod modClrScheme chgLayout">
+        <pc:chgData name="Matthew Suderman" userId="2709995e-3ea8-4fb0-9b62-eb8034dec529" providerId="ADAL" clId="{4929D89B-CC43-4C41-92A5-3ABC52AE066B}" dt="2021-05-09T20:56:16.230" v="3575" actId="20577"/>
+        <pc:sldMkLst>
+          <pc:docMk/>
+          <pc:sldMk cId="139685370" sldId="324"/>
+        </pc:sldMkLst>
+        <pc:spChg chg="mod ord">
+          <ac:chgData name="Matthew Suderman" userId="2709995e-3ea8-4fb0-9b62-eb8034dec529" providerId="ADAL" clId="{4929D89B-CC43-4C41-92A5-3ABC52AE066B}" dt="2021-05-09T20:55:09.542" v="3522" actId="20577"/>
+          <ac:spMkLst>
+            <pc:docMk/>
+            <pc:sldMk cId="139685370" sldId="324"/>
+            <ac:spMk id="2" creationId="{1221262A-B670-4C9A-BE6F-D31E2E93F4DA}"/>
+          </ac:spMkLst>
+        </pc:spChg>
+        <pc:spChg chg="del mod ord">
+          <ac:chgData name="Matthew Suderman" userId="2709995e-3ea8-4fb0-9b62-eb8034dec529" providerId="ADAL" clId="{4929D89B-CC43-4C41-92A5-3ABC52AE066B}" dt="2021-05-09T20:32:51.592" v="2490" actId="700"/>
+          <ac:spMkLst>
+            <pc:docMk/>
+            <pc:sldMk cId="139685370" sldId="324"/>
+            <ac:spMk id="3" creationId="{BBB65043-9972-4C96-88C1-A29747E0518F}"/>
+          </ac:spMkLst>
+        </pc:spChg>
+        <pc:spChg chg="del">
+          <ac:chgData name="Matthew Suderman" userId="2709995e-3ea8-4fb0-9b62-eb8034dec529" providerId="ADAL" clId="{4929D89B-CC43-4C41-92A5-3ABC52AE066B}" dt="2021-05-09T20:32:51.592" v="2490" actId="700"/>
+          <ac:spMkLst>
+            <pc:docMk/>
+            <pc:sldMk cId="139685370" sldId="324"/>
+            <ac:spMk id="4" creationId="{345222DA-277A-4B20-8EFB-A64ED81832A3}"/>
+          </ac:spMkLst>
+        </pc:spChg>
+        <pc:spChg chg="add mod ord">
+          <ac:chgData name="Matthew Suderman" userId="2709995e-3ea8-4fb0-9b62-eb8034dec529" providerId="ADAL" clId="{4929D89B-CC43-4C41-92A5-3ABC52AE066B}" dt="2021-05-09T20:56:16.230" v="3575" actId="20577"/>
+          <ac:spMkLst>
+            <pc:docMk/>
+            <pc:sldMk cId="139685370" sldId="324"/>
+            <ac:spMk id="5" creationId="{ED9FB1F5-0521-41F7-A6BB-E95FB8CE2AE1}"/>
+          </ac:spMkLst>
+        </pc:spChg>
+      </pc:sldChg>
+      <pc:sldChg chg="addSp delSp modSp new mod modClrScheme chgLayout">
+        <pc:chgData name="Matthew Suderman" userId="2709995e-3ea8-4fb0-9b62-eb8034dec529" providerId="ADAL" clId="{4929D89B-CC43-4C41-92A5-3ABC52AE066B}" dt="2021-05-09T23:36:15.162" v="8344" actId="1076"/>
+        <pc:sldMkLst>
+          <pc:docMk/>
+          <pc:sldMk cId="4218096725" sldId="325"/>
+        </pc:sldMkLst>
+        <pc:spChg chg="mod ord">
+          <ac:chgData name="Matthew Suderman" userId="2709995e-3ea8-4fb0-9b62-eb8034dec529" providerId="ADAL" clId="{4929D89B-CC43-4C41-92A5-3ABC52AE066B}" dt="2021-05-09T22:45:11.022" v="7067" actId="20577"/>
+          <ac:spMkLst>
+            <pc:docMk/>
+            <pc:sldMk cId="4218096725" sldId="325"/>
+            <ac:spMk id="2" creationId="{8925F703-9851-4FE7-AD37-FF7C209B9664}"/>
+          </ac:spMkLst>
+        </pc:spChg>
+        <pc:spChg chg="del mod ord">
+          <ac:chgData name="Matthew Suderman" userId="2709995e-3ea8-4fb0-9b62-eb8034dec529" providerId="ADAL" clId="{4929D89B-CC43-4C41-92A5-3ABC52AE066B}" dt="2021-05-09T20:32:56.184" v="2491" actId="700"/>
+          <ac:spMkLst>
+            <pc:docMk/>
+            <pc:sldMk cId="4218096725" sldId="325"/>
+            <ac:spMk id="3" creationId="{C8633002-85CD-4179-8DC2-7C326E79C4F1}"/>
+          </ac:spMkLst>
+        </pc:spChg>
+        <pc:spChg chg="del">
+          <ac:chgData name="Matthew Suderman" userId="2709995e-3ea8-4fb0-9b62-eb8034dec529" providerId="ADAL" clId="{4929D89B-CC43-4C41-92A5-3ABC52AE066B}" dt="2021-05-09T20:32:56.184" v="2491" actId="700"/>
+          <ac:spMkLst>
+            <pc:docMk/>
+            <pc:sldMk cId="4218096725" sldId="325"/>
+            <ac:spMk id="4" creationId="{978C9FDF-78C7-4115-8E95-3D47F5C67E96}"/>
+          </ac:spMkLst>
+        </pc:spChg>
+        <pc:spChg chg="add mod ord">
+          <ac:chgData name="Matthew Suderman" userId="2709995e-3ea8-4fb0-9b62-eb8034dec529" providerId="ADAL" clId="{4929D89B-CC43-4C41-92A5-3ABC52AE066B}" dt="2021-05-09T23:36:10.349" v="8343" actId="20577"/>
+          <ac:spMkLst>
+            <pc:docMk/>
+            <pc:sldMk cId="4218096725" sldId="325"/>
+            <ac:spMk id="5" creationId="{61C2349A-F397-49C4-8639-6ADA60C2CEC3}"/>
+          </ac:spMkLst>
+        </pc:spChg>
+        <pc:picChg chg="add mod">
+          <ac:chgData name="Matthew Suderman" userId="2709995e-3ea8-4fb0-9b62-eb8034dec529" providerId="ADAL" clId="{4929D89B-CC43-4C41-92A5-3ABC52AE066B}" dt="2021-05-09T23:36:15.162" v="8344" actId="1076"/>
+          <ac:picMkLst>
+            <pc:docMk/>
+            <pc:sldMk cId="4218096725" sldId="325"/>
+            <ac:picMk id="9218" creationId="{60B6E4EA-9C9A-45CA-AA62-4DED85A3F4AE}"/>
+          </ac:picMkLst>
+        </pc:picChg>
+      </pc:sldChg>
+      <pc:sldChg chg="addSp delSp modSp new mod">
+        <pc:chgData name="Matthew Suderman" userId="2709995e-3ea8-4fb0-9b62-eb8034dec529" providerId="ADAL" clId="{4929D89B-CC43-4C41-92A5-3ABC52AE066B}" dt="2021-05-09T21:38:49.334" v="4184" actId="20577"/>
+        <pc:sldMkLst>
+          <pc:docMk/>
+          <pc:sldMk cId="509286688" sldId="326"/>
+        </pc:sldMkLst>
+        <pc:spChg chg="mod">
+          <ac:chgData name="Matthew Suderman" userId="2709995e-3ea8-4fb0-9b62-eb8034dec529" providerId="ADAL" clId="{4929D89B-CC43-4C41-92A5-3ABC52AE066B}" dt="2021-05-09T21:38:49.334" v="4184" actId="20577"/>
+          <ac:spMkLst>
+            <pc:docMk/>
+            <pc:sldMk cId="509286688" sldId="326"/>
+            <ac:spMk id="2" creationId="{2B0B872B-AA52-4B0D-BDFB-8F0805D5BF75}"/>
+          </ac:spMkLst>
+        </pc:spChg>
+        <pc:spChg chg="del">
+          <ac:chgData name="Matthew Suderman" userId="2709995e-3ea8-4fb0-9b62-eb8034dec529" providerId="ADAL" clId="{4929D89B-CC43-4C41-92A5-3ABC52AE066B}" dt="2021-05-09T21:06:54.249" v="3629" actId="478"/>
+          <ac:spMkLst>
+            <pc:docMk/>
+            <pc:sldMk cId="509286688" sldId="326"/>
+            <ac:spMk id="3" creationId="{8C85C7BC-835A-4A92-905B-E5796F546549}"/>
+          </ac:spMkLst>
+        </pc:spChg>
+        <pc:spChg chg="add mod">
+          <ac:chgData name="Matthew Suderman" userId="2709995e-3ea8-4fb0-9b62-eb8034dec529" providerId="ADAL" clId="{4929D89B-CC43-4C41-92A5-3ABC52AE066B}" dt="2021-05-09T21:15:23.160" v="3715" actId="20577"/>
+          <ac:spMkLst>
+            <pc:docMk/>
+            <pc:sldMk cId="509286688" sldId="326"/>
+            <ac:spMk id="4" creationId="{E9F55EBF-0620-4663-9479-56A49CE19BED}"/>
+          </ac:spMkLst>
+        </pc:spChg>
+        <pc:spChg chg="add mod">
+          <ac:chgData name="Matthew Suderman" userId="2709995e-3ea8-4fb0-9b62-eb8034dec529" providerId="ADAL" clId="{4929D89B-CC43-4C41-92A5-3ABC52AE066B}" dt="2021-05-09T21:15:27.655" v="3717" actId="20577"/>
+          <ac:spMkLst>
+            <pc:docMk/>
+            <pc:sldMk cId="509286688" sldId="326"/>
+            <ac:spMk id="7" creationId="{41FE48D6-535E-4574-9D76-61F5E984A3D3}"/>
+          </ac:spMkLst>
+        </pc:spChg>
+        <pc:spChg chg="add mod">
+          <ac:chgData name="Matthew Suderman" userId="2709995e-3ea8-4fb0-9b62-eb8034dec529" providerId="ADAL" clId="{4929D89B-CC43-4C41-92A5-3ABC52AE066B}" dt="2021-05-09T21:16:59.770" v="3799" actId="113"/>
+          <ac:spMkLst>
+            <pc:docMk/>
+            <pc:sldMk cId="509286688" sldId="326"/>
+            <ac:spMk id="9" creationId="{1C416C93-1F31-4658-BCFD-B2325313A8AC}"/>
+          </ac:spMkLst>
+        </pc:spChg>
+        <pc:spChg chg="add mod">
+          <ac:chgData name="Matthew Suderman" userId="2709995e-3ea8-4fb0-9b62-eb8034dec529" providerId="ADAL" clId="{4929D89B-CC43-4C41-92A5-3ABC52AE066B}" dt="2021-05-09T21:18:43.530" v="4008" actId="313"/>
+          <ac:spMkLst>
+            <pc:docMk/>
+            <pc:sldMk cId="509286688" sldId="326"/>
+            <ac:spMk id="10" creationId="{211DC2F6-F44F-4C60-AE32-87359A4779EF}"/>
+          </ac:spMkLst>
+        </pc:spChg>
+        <pc:spChg chg="add mod">
+          <ac:chgData name="Matthew Suderman" userId="2709995e-3ea8-4fb0-9b62-eb8034dec529" providerId="ADAL" clId="{4929D89B-CC43-4C41-92A5-3ABC52AE066B}" dt="2021-05-09T21:20:19.269" v="4052" actId="1076"/>
+          <ac:spMkLst>
+            <pc:docMk/>
+            <pc:sldMk cId="509286688" sldId="326"/>
+            <ac:spMk id="11" creationId="{4A70BCA0-5699-4A53-84F8-E44912C422EE}"/>
+          </ac:spMkLst>
+        </pc:spChg>
+        <pc:spChg chg="add mod">
+          <ac:chgData name="Matthew Suderman" userId="2709995e-3ea8-4fb0-9b62-eb8034dec529" providerId="ADAL" clId="{4929D89B-CC43-4C41-92A5-3ABC52AE066B}" dt="2021-05-09T21:21:51.934" v="4089" actId="20577"/>
+          <ac:spMkLst>
+            <pc:docMk/>
+            <pc:sldMk cId="509286688" sldId="326"/>
+            <ac:spMk id="13" creationId="{3C8BD110-ED60-4820-A9C0-DC375AC7BBB3}"/>
+          </ac:spMkLst>
+        </pc:spChg>
+        <pc:picChg chg="add mod">
+          <ac:chgData name="Matthew Suderman" userId="2709995e-3ea8-4fb0-9b62-eb8034dec529" providerId="ADAL" clId="{4929D89B-CC43-4C41-92A5-3ABC52AE066B}" dt="2021-05-09T21:14:55.151" v="3702" actId="1036"/>
+          <ac:picMkLst>
+            <pc:docMk/>
+            <pc:sldMk cId="509286688" sldId="326"/>
+            <ac:picMk id="5122" creationId="{4951739E-B532-44F8-B4F9-38FADBA22838}"/>
+          </ac:picMkLst>
+        </pc:picChg>
+        <pc:picChg chg="add mod">
+          <ac:chgData name="Matthew Suderman" userId="2709995e-3ea8-4fb0-9b62-eb8034dec529" providerId="ADAL" clId="{4929D89B-CC43-4C41-92A5-3ABC52AE066B}" dt="2021-05-09T21:15:11.862" v="3709" actId="1035"/>
+          <ac:picMkLst>
+            <pc:docMk/>
+            <pc:sldMk cId="509286688" sldId="326"/>
+            <ac:picMk id="5124" creationId="{AEF71CC3-3EE3-4493-A000-AD2B039EFF33}"/>
+          </ac:picMkLst>
+        </pc:picChg>
+        <pc:picChg chg="add mod">
+          <ac:chgData name="Matthew Suderman" userId="2709995e-3ea8-4fb0-9b62-eb8034dec529" providerId="ADAL" clId="{4929D89B-CC43-4C41-92A5-3ABC52AE066B}" dt="2021-05-09T21:20:32.901" v="4056" actId="1076"/>
+          <ac:picMkLst>
+            <pc:docMk/>
+            <pc:sldMk cId="509286688" sldId="326"/>
+            <ac:picMk id="5126" creationId="{5826858D-AC9E-4920-8574-0E0A3925F08B}"/>
+          </ac:picMkLst>
+        </pc:picChg>
+      </pc:sldChg>
+      <pc:sldChg chg="addSp delSp modSp new mod">
+        <pc:chgData name="Matthew Suderman" userId="2709995e-3ea8-4fb0-9b62-eb8034dec529" providerId="ADAL" clId="{4929D89B-CC43-4C41-92A5-3ABC52AE066B}" dt="2021-05-09T21:46:55.593" v="4589" actId="1038"/>
+        <pc:sldMkLst>
+          <pc:docMk/>
+          <pc:sldMk cId="4212410690" sldId="327"/>
+        </pc:sldMkLst>
+        <pc:spChg chg="mod">
+          <ac:chgData name="Matthew Suderman" userId="2709995e-3ea8-4fb0-9b62-eb8034dec529" providerId="ADAL" clId="{4929D89B-CC43-4C41-92A5-3ABC52AE066B}" dt="2021-05-09T21:38:53.596" v="4190" actId="20577"/>
+          <ac:spMkLst>
+            <pc:docMk/>
+            <pc:sldMk cId="4212410690" sldId="327"/>
+            <ac:spMk id="2" creationId="{BFF26262-655E-405F-BF25-0BD14DFB0BF3}"/>
+          </ac:spMkLst>
+        </pc:spChg>
+        <pc:spChg chg="del">
+          <ac:chgData name="Matthew Suderman" userId="2709995e-3ea8-4fb0-9b62-eb8034dec529" providerId="ADAL" clId="{4929D89B-CC43-4C41-92A5-3ABC52AE066B}" dt="2021-05-09T21:22:32.817" v="4091" actId="478"/>
+          <ac:spMkLst>
+            <pc:docMk/>
+            <pc:sldMk cId="4212410690" sldId="327"/>
+            <ac:spMk id="3" creationId="{0E6A8414-AB26-4D2A-B4FF-510667BAB3B0}"/>
+          </ac:spMkLst>
+        </pc:spChg>
+        <pc:spChg chg="add mod">
+          <ac:chgData name="Matthew Suderman" userId="2709995e-3ea8-4fb0-9b62-eb8034dec529" providerId="ADAL" clId="{4929D89B-CC43-4C41-92A5-3ABC52AE066B}" dt="2021-05-09T21:46:55.593" v="4589" actId="1038"/>
+          <ac:spMkLst>
+            <pc:docMk/>
+            <pc:sldMk cId="4212410690" sldId="327"/>
+            <ac:spMk id="10" creationId="{34E95C98-8D72-4BD5-9285-4A24B998AC1F}"/>
+          </ac:spMkLst>
+        </pc:spChg>
+        <pc:spChg chg="add mod">
+          <ac:chgData name="Matthew Suderman" userId="2709995e-3ea8-4fb0-9b62-eb8034dec529" providerId="ADAL" clId="{4929D89B-CC43-4C41-92A5-3ABC52AE066B}" dt="2021-05-09T21:46:55.593" v="4589" actId="1038"/>
+          <ac:spMkLst>
+            <pc:docMk/>
+            <pc:sldMk cId="4212410690" sldId="327"/>
+            <ac:spMk id="11" creationId="{BF4E871C-FE79-4187-8D91-17E07A078D9C}"/>
+          </ac:spMkLst>
+        </pc:spChg>
+        <pc:spChg chg="add mod">
+          <ac:chgData name="Matthew Suderman" userId="2709995e-3ea8-4fb0-9b62-eb8034dec529" providerId="ADAL" clId="{4929D89B-CC43-4C41-92A5-3ABC52AE066B}" dt="2021-05-09T21:46:55.593" v="4589" actId="1038"/>
+          <ac:spMkLst>
+            <pc:docMk/>
+            <pc:sldMk cId="4212410690" sldId="327"/>
+            <ac:spMk id="12" creationId="{AF225118-ADA7-4819-9ADF-B602370C085D}"/>
+          </ac:spMkLst>
+        </pc:spChg>
+        <pc:spChg chg="add mod">
+          <ac:chgData name="Matthew Suderman" userId="2709995e-3ea8-4fb0-9b62-eb8034dec529" providerId="ADAL" clId="{4929D89B-CC43-4C41-92A5-3ABC52AE066B}" dt="2021-05-09T21:46:55.593" v="4589" actId="1038"/>
+          <ac:spMkLst>
+            <pc:docMk/>
+            <pc:sldMk cId="4212410690" sldId="327"/>
+            <ac:spMk id="13" creationId="{2C089E31-C5CC-493C-A0B4-8D729A186FA9}"/>
+          </ac:spMkLst>
+        </pc:spChg>
+        <pc:spChg chg="add mod">
+          <ac:chgData name="Matthew Suderman" userId="2709995e-3ea8-4fb0-9b62-eb8034dec529" providerId="ADAL" clId="{4929D89B-CC43-4C41-92A5-3ABC52AE066B}" dt="2021-05-09T21:46:55.593" v="4589" actId="1038"/>
+          <ac:spMkLst>
+            <pc:docMk/>
+            <pc:sldMk cId="4212410690" sldId="327"/>
+            <ac:spMk id="14" creationId="{5FDA0845-49C0-4C3D-AA3E-7969A05FDAF3}"/>
+          </ac:spMkLst>
+        </pc:spChg>
+        <pc:spChg chg="add del">
+          <ac:chgData name="Matthew Suderman" userId="2709995e-3ea8-4fb0-9b62-eb8034dec529" providerId="ADAL" clId="{4929D89B-CC43-4C41-92A5-3ABC52AE066B}" dt="2021-05-09T21:46:18.801" v="4538" actId="22"/>
+          <ac:spMkLst>
+            <pc:docMk/>
+            <pc:sldMk cId="4212410690" sldId="327"/>
+            <ac:spMk id="16" creationId="{9811F42C-CB04-43BC-99F1-2F024BEC9A8F}"/>
+          </ac:spMkLst>
+        </pc:spChg>
+        <pc:spChg chg="add mod">
+          <ac:chgData name="Matthew Suderman" userId="2709995e-3ea8-4fb0-9b62-eb8034dec529" providerId="ADAL" clId="{4929D89B-CC43-4C41-92A5-3ABC52AE066B}" dt="2021-05-09T21:46:44.277" v="4565" actId="20577"/>
+          <ac:spMkLst>
+            <pc:docMk/>
+            <pc:sldMk cId="4212410690" sldId="327"/>
+            <ac:spMk id="17" creationId="{7F055729-4EAC-40B9-A1C1-88E5620ACD87}"/>
+          </ac:spMkLst>
+        </pc:spChg>
+        <pc:picChg chg="add del mod modCrop">
+          <ac:chgData name="Matthew Suderman" userId="2709995e-3ea8-4fb0-9b62-eb8034dec529" providerId="ADAL" clId="{4929D89B-CC43-4C41-92A5-3ABC52AE066B}" dt="2021-05-09T21:35:05.370" v="4120" actId="478"/>
+          <ac:picMkLst>
+            <pc:docMk/>
+            <pc:sldMk cId="4212410690" sldId="327"/>
+            <ac:picMk id="4" creationId="{FAD5F0FA-35E8-4AFE-9F41-AFA76B9838B5}"/>
+          </ac:picMkLst>
+        </pc:picChg>
+        <pc:picChg chg="add mod modCrop">
+          <ac:chgData name="Matthew Suderman" userId="2709995e-3ea8-4fb0-9b62-eb8034dec529" providerId="ADAL" clId="{4929D89B-CC43-4C41-92A5-3ABC52AE066B}" dt="2021-05-09T21:46:55.593" v="4589" actId="1038"/>
+          <ac:picMkLst>
+            <pc:docMk/>
+            <pc:sldMk cId="4212410690" sldId="327"/>
+            <ac:picMk id="5" creationId="{66F1770B-4E71-48AF-8D7F-89C7CA0F369E}"/>
+          </ac:picMkLst>
+        </pc:picChg>
+        <pc:picChg chg="add mod modCrop">
+          <ac:chgData name="Matthew Suderman" userId="2709995e-3ea8-4fb0-9b62-eb8034dec529" providerId="ADAL" clId="{4929D89B-CC43-4C41-92A5-3ABC52AE066B}" dt="2021-05-09T21:46:55.593" v="4589" actId="1038"/>
+          <ac:picMkLst>
+            <pc:docMk/>
+            <pc:sldMk cId="4212410690" sldId="327"/>
+            <ac:picMk id="8" creationId="{422D1C35-6ADA-492C-8738-438D5A71537E}"/>
+          </ac:picMkLst>
+        </pc:picChg>
+        <pc:picChg chg="add mod">
+          <ac:chgData name="Matthew Suderman" userId="2709995e-3ea8-4fb0-9b62-eb8034dec529" providerId="ADAL" clId="{4929D89B-CC43-4C41-92A5-3ABC52AE066B}" dt="2021-05-09T21:46:55.593" v="4589" actId="1038"/>
+          <ac:picMkLst>
+            <pc:docMk/>
+            <pc:sldMk cId="4212410690" sldId="327"/>
+            <ac:picMk id="9" creationId="{66ABB122-526C-4A2E-B48F-92D2EDD2CBDA}"/>
+          </ac:picMkLst>
+        </pc:picChg>
+        <pc:picChg chg="add mod">
+          <ac:chgData name="Matthew Suderman" userId="2709995e-3ea8-4fb0-9b62-eb8034dec529" providerId="ADAL" clId="{4929D89B-CC43-4C41-92A5-3ABC52AE066B}" dt="2021-05-09T21:46:55.593" v="4589" actId="1038"/>
+          <ac:picMkLst>
+            <pc:docMk/>
+            <pc:sldMk cId="4212410690" sldId="327"/>
+            <ac:picMk id="6146" creationId="{9E55CD31-97F0-4625-8DC5-39502BD7A10B}"/>
+          </ac:picMkLst>
+        </pc:picChg>
+        <pc:picChg chg="add mod">
+          <ac:chgData name="Matthew Suderman" userId="2709995e-3ea8-4fb0-9b62-eb8034dec529" providerId="ADAL" clId="{4929D89B-CC43-4C41-92A5-3ABC52AE066B}" dt="2021-05-09T21:46:55.593" v="4589" actId="1038"/>
+          <ac:picMkLst>
+            <pc:docMk/>
+            <pc:sldMk cId="4212410690" sldId="327"/>
+            <ac:picMk id="6148" creationId="{985E8A3E-19FC-4F89-8BE4-F995B74F7764}"/>
+          </ac:picMkLst>
+        </pc:picChg>
+      </pc:sldChg>
+      <pc:sldChg chg="addSp delSp modSp add mod chgLayout">
+        <pc:chgData name="Matthew Suderman" userId="2709995e-3ea8-4fb0-9b62-eb8034dec529" providerId="ADAL" clId="{4929D89B-CC43-4C41-92A5-3ABC52AE066B}" dt="2021-05-09T22:07:43.491" v="5557" actId="20577"/>
+        <pc:sldMkLst>
+          <pc:docMk/>
+          <pc:sldMk cId="3921438810" sldId="328"/>
+        </pc:sldMkLst>
+        <pc:spChg chg="mod ord">
+          <ac:chgData name="Matthew Suderman" userId="2709995e-3ea8-4fb0-9b62-eb8034dec529" providerId="ADAL" clId="{4929D89B-CC43-4C41-92A5-3ABC52AE066B}" dt="2021-05-09T21:58:20.455" v="4664" actId="700"/>
+          <ac:spMkLst>
+            <pc:docMk/>
+            <pc:sldMk cId="3921438810" sldId="328"/>
+            <ac:spMk id="2" creationId="{BFF26262-655E-405F-BF25-0BD14DFB0BF3}"/>
+          </ac:spMkLst>
+        </pc:spChg>
+        <pc:spChg chg="add mod ord">
+          <ac:chgData name="Matthew Suderman" userId="2709995e-3ea8-4fb0-9b62-eb8034dec529" providerId="ADAL" clId="{4929D89B-CC43-4C41-92A5-3ABC52AE066B}" dt="2021-05-09T22:07:43.491" v="5557" actId="20577"/>
+          <ac:spMkLst>
+            <pc:docMk/>
+            <pc:sldMk cId="3921438810" sldId="328"/>
+            <ac:spMk id="4" creationId="{2155FD75-D4FF-4333-AB61-CD4E3E486A41}"/>
+          </ac:spMkLst>
+        </pc:spChg>
+        <pc:spChg chg="del">
+          <ac:chgData name="Matthew Suderman" userId="2709995e-3ea8-4fb0-9b62-eb8034dec529" providerId="ADAL" clId="{4929D89B-CC43-4C41-92A5-3ABC52AE066B}" dt="2021-05-09T21:49:04.348" v="4591" actId="478"/>
+          <ac:spMkLst>
+            <pc:docMk/>
+            <pc:sldMk cId="3921438810" sldId="328"/>
+            <ac:spMk id="10" creationId="{34E95C98-8D72-4BD5-9285-4A24B998AC1F}"/>
+          </ac:spMkLst>
+        </pc:spChg>
+        <pc:spChg chg="del">
+          <ac:chgData name="Matthew Suderman" userId="2709995e-3ea8-4fb0-9b62-eb8034dec529" providerId="ADAL" clId="{4929D89B-CC43-4C41-92A5-3ABC52AE066B}" dt="2021-05-09T21:49:04.348" v="4591" actId="478"/>
+          <ac:spMkLst>
+            <pc:docMk/>
+            <pc:sldMk cId="3921438810" sldId="328"/>
+            <ac:spMk id="11" creationId="{BF4E871C-FE79-4187-8D91-17E07A078D9C}"/>
+          </ac:spMkLst>
+        </pc:spChg>
+        <pc:spChg chg="del">
+          <ac:chgData name="Matthew Suderman" userId="2709995e-3ea8-4fb0-9b62-eb8034dec529" providerId="ADAL" clId="{4929D89B-CC43-4C41-92A5-3ABC52AE066B}" dt="2021-05-09T21:49:04.348" v="4591" actId="478"/>
+          <ac:spMkLst>
+            <pc:docMk/>
+            <pc:sldMk cId="3921438810" sldId="328"/>
+            <ac:spMk id="12" creationId="{AF225118-ADA7-4819-9ADF-B602370C085D}"/>
+          </ac:spMkLst>
+        </pc:spChg>
+        <pc:spChg chg="del">
+          <ac:chgData name="Matthew Suderman" userId="2709995e-3ea8-4fb0-9b62-eb8034dec529" providerId="ADAL" clId="{4929D89B-CC43-4C41-92A5-3ABC52AE066B}" dt="2021-05-09T21:49:04.348" v="4591" actId="478"/>
+          <ac:spMkLst>
+            <pc:docMk/>
+            <pc:sldMk cId="3921438810" sldId="328"/>
+            <ac:spMk id="13" creationId="{2C089E31-C5CC-493C-A0B4-8D729A186FA9}"/>
+          </ac:spMkLst>
+        </pc:spChg>
+        <pc:spChg chg="del">
+          <ac:chgData name="Matthew Suderman" userId="2709995e-3ea8-4fb0-9b62-eb8034dec529" providerId="ADAL" clId="{4929D89B-CC43-4C41-92A5-3ABC52AE066B}" dt="2021-05-09T21:49:04.348" v="4591" actId="478"/>
+          <ac:spMkLst>
+            <pc:docMk/>
+            <pc:sldMk cId="3921438810" sldId="328"/>
+            <ac:spMk id="14" creationId="{5FDA0845-49C0-4C3D-AA3E-7969A05FDAF3}"/>
+          </ac:spMkLst>
+        </pc:spChg>
+        <pc:spChg chg="del">
+          <ac:chgData name="Matthew Suderman" userId="2709995e-3ea8-4fb0-9b62-eb8034dec529" providerId="ADAL" clId="{4929D89B-CC43-4C41-92A5-3ABC52AE066B}" dt="2021-05-09T21:49:04.348" v="4591" actId="478"/>
+          <ac:spMkLst>
+            <pc:docMk/>
+            <pc:sldMk cId="3921438810" sldId="328"/>
+            <ac:spMk id="17" creationId="{7F055729-4EAC-40B9-A1C1-88E5620ACD87}"/>
+          </ac:spMkLst>
+        </pc:spChg>
+        <pc:picChg chg="add mod modCrop">
+          <ac:chgData name="Matthew Suderman" userId="2709995e-3ea8-4fb0-9b62-eb8034dec529" providerId="ADAL" clId="{4929D89B-CC43-4C41-92A5-3ABC52AE066B}" dt="2021-05-09T22:01:59.654" v="4876" actId="1076"/>
+          <ac:picMkLst>
+            <pc:docMk/>
+            <pc:sldMk cId="3921438810" sldId="328"/>
+            <ac:picMk id="3" creationId="{EC50822E-B7AF-4C7D-9800-892746F4A766}"/>
+          </ac:picMkLst>
+        </pc:picChg>
+        <pc:picChg chg="del">
+          <ac:chgData name="Matthew Suderman" userId="2709995e-3ea8-4fb0-9b62-eb8034dec529" providerId="ADAL" clId="{4929D89B-CC43-4C41-92A5-3ABC52AE066B}" dt="2021-05-09T21:49:04.348" v="4591" actId="478"/>
+          <ac:picMkLst>
+            <pc:docMk/>
+            <pc:sldMk cId="3921438810" sldId="328"/>
+            <ac:picMk id="5" creationId="{66F1770B-4E71-48AF-8D7F-89C7CA0F369E}"/>
+          </ac:picMkLst>
+        </pc:picChg>
+        <pc:picChg chg="del">
+          <ac:chgData name="Matthew Suderman" userId="2709995e-3ea8-4fb0-9b62-eb8034dec529" providerId="ADAL" clId="{4929D89B-CC43-4C41-92A5-3ABC52AE066B}" dt="2021-05-09T21:49:04.348" v="4591" actId="478"/>
+          <ac:picMkLst>
+            <pc:docMk/>
+            <pc:sldMk cId="3921438810" sldId="328"/>
+            <ac:picMk id="8" creationId="{422D1C35-6ADA-492C-8738-438D5A71537E}"/>
+          </ac:picMkLst>
+        </pc:picChg>
+        <pc:picChg chg="del">
+          <ac:chgData name="Matthew Suderman" userId="2709995e-3ea8-4fb0-9b62-eb8034dec529" providerId="ADAL" clId="{4929D89B-CC43-4C41-92A5-3ABC52AE066B}" dt="2021-05-09T21:49:04.348" v="4591" actId="478"/>
+          <ac:picMkLst>
+            <pc:docMk/>
+            <pc:sldMk cId="3921438810" sldId="328"/>
+            <ac:picMk id="9" creationId="{66ABB122-526C-4A2E-B48F-92D2EDD2CBDA}"/>
+          </ac:picMkLst>
+        </pc:picChg>
+        <pc:picChg chg="del">
+          <ac:chgData name="Matthew Suderman" userId="2709995e-3ea8-4fb0-9b62-eb8034dec529" providerId="ADAL" clId="{4929D89B-CC43-4C41-92A5-3ABC52AE066B}" dt="2021-05-09T21:49:04.348" v="4591" actId="478"/>
+          <ac:picMkLst>
+            <pc:docMk/>
+            <pc:sldMk cId="3921438810" sldId="328"/>
+            <ac:picMk id="6146" creationId="{9E55CD31-97F0-4625-8DC5-39502BD7A10B}"/>
+          </ac:picMkLst>
+        </pc:picChg>
+        <pc:picChg chg="del">
+          <ac:chgData name="Matthew Suderman" userId="2709995e-3ea8-4fb0-9b62-eb8034dec529" providerId="ADAL" clId="{4929D89B-CC43-4C41-92A5-3ABC52AE066B}" dt="2021-05-09T21:49:04.348" v="4591" actId="478"/>
+          <ac:picMkLst>
+            <pc:docMk/>
+            <pc:sldMk cId="3921438810" sldId="328"/>
+            <ac:picMk id="6148" creationId="{985E8A3E-19FC-4F89-8BE4-F995B74F7764}"/>
+          </ac:picMkLst>
+        </pc:picChg>
+      </pc:sldChg>
+      <pc:sldChg chg="delSp modSp add del mod ord">
+        <pc:chgData name="Matthew Suderman" userId="2709995e-3ea8-4fb0-9b62-eb8034dec529" providerId="ADAL" clId="{4929D89B-CC43-4C41-92A5-3ABC52AE066B}" dt="2021-05-09T22:34:10.019" v="6272" actId="2696"/>
+        <pc:sldMkLst>
+          <pc:docMk/>
+          <pc:sldMk cId="4243540046" sldId="329"/>
+        </pc:sldMkLst>
+        <pc:spChg chg="mod">
+          <ac:chgData name="Matthew Suderman" userId="2709995e-3ea8-4fb0-9b62-eb8034dec529" providerId="ADAL" clId="{4929D89B-CC43-4C41-92A5-3ABC52AE066B}" dt="2021-05-09T22:09:06.575" v="5601" actId="20577"/>
+          <ac:spMkLst>
+            <pc:docMk/>
+            <pc:sldMk cId="4243540046" sldId="329"/>
+            <ac:spMk id="2" creationId="{BFF26262-655E-405F-BF25-0BD14DFB0BF3}"/>
+          </ac:spMkLst>
+        </pc:spChg>
+        <pc:spChg chg="mod">
+          <ac:chgData name="Matthew Suderman" userId="2709995e-3ea8-4fb0-9b62-eb8034dec529" providerId="ADAL" clId="{4929D89B-CC43-4C41-92A5-3ABC52AE066B}" dt="2021-05-09T22:14:58.423" v="5820" actId="20577"/>
+          <ac:spMkLst>
+            <pc:docMk/>
+            <pc:sldMk cId="4243540046" sldId="329"/>
+            <ac:spMk id="4" creationId="{2155FD75-D4FF-4333-AB61-CD4E3E486A41}"/>
+          </ac:spMkLst>
+        </pc:spChg>
+        <pc:picChg chg="del">
+          <ac:chgData name="Matthew Suderman" userId="2709995e-3ea8-4fb0-9b62-eb8034dec529" providerId="ADAL" clId="{4929D89B-CC43-4C41-92A5-3ABC52AE066B}" dt="2021-05-09T22:08:44.617" v="5559" actId="478"/>
+          <ac:picMkLst>
+            <pc:docMk/>
+            <pc:sldMk cId="4243540046" sldId="329"/>
+            <ac:picMk id="3" creationId="{EC50822E-B7AF-4C7D-9800-892746F4A766}"/>
+          </ac:picMkLst>
+        </pc:picChg>
+      </pc:sldChg>
+      <pc:sldChg chg="modSp add mod">
+        <pc:chgData name="Matthew Suderman" userId="2709995e-3ea8-4fb0-9b62-eb8034dec529" providerId="ADAL" clId="{4929D89B-CC43-4C41-92A5-3ABC52AE066B}" dt="2021-05-09T22:42:19.970" v="7049" actId="20577"/>
+        <pc:sldMkLst>
+          <pc:docMk/>
+          <pc:sldMk cId="3849100915" sldId="330"/>
+        </pc:sldMkLst>
+        <pc:spChg chg="mod">
+          <ac:chgData name="Matthew Suderman" userId="2709995e-3ea8-4fb0-9b62-eb8034dec529" providerId="ADAL" clId="{4929D89B-CC43-4C41-92A5-3ABC52AE066B}" dt="2021-05-09T22:34:30.822" v="6312" actId="20577"/>
+          <ac:spMkLst>
+            <pc:docMk/>
+            <pc:sldMk cId="3849100915" sldId="330"/>
+            <ac:spMk id="2" creationId="{BFF26262-655E-405F-BF25-0BD14DFB0BF3}"/>
+          </ac:spMkLst>
+        </pc:spChg>
+        <pc:spChg chg="mod">
+          <ac:chgData name="Matthew Suderman" userId="2709995e-3ea8-4fb0-9b62-eb8034dec529" providerId="ADAL" clId="{4929D89B-CC43-4C41-92A5-3ABC52AE066B}" dt="2021-05-09T22:42:19.970" v="7049" actId="20577"/>
+          <ac:spMkLst>
+            <pc:docMk/>
+            <pc:sldMk cId="3849100915" sldId="330"/>
+            <ac:spMk id="4" creationId="{2155FD75-D4FF-4333-AB61-CD4E3E486A41}"/>
+          </ac:spMkLst>
+        </pc:spChg>
+      </pc:sldChg>
+      <pc:sldChg chg="addSp delSp modSp add mod ord">
+        <pc:chgData name="Matthew Suderman" userId="2709995e-3ea8-4fb0-9b62-eb8034dec529" providerId="ADAL" clId="{4929D89B-CC43-4C41-92A5-3ABC52AE066B}" dt="2021-05-09T22:33:56.889" v="6271" actId="113"/>
+        <pc:sldMkLst>
+          <pc:docMk/>
+          <pc:sldMk cId="1426400336" sldId="331"/>
+        </pc:sldMkLst>
+        <pc:spChg chg="mod">
+          <ac:chgData name="Matthew Suderman" userId="2709995e-3ea8-4fb0-9b62-eb8034dec529" providerId="ADAL" clId="{4929D89B-CC43-4C41-92A5-3ABC52AE066B}" dt="2021-05-09T22:32:02.455" v="6201" actId="20577"/>
+          <ac:spMkLst>
+            <pc:docMk/>
+            <pc:sldMk cId="1426400336" sldId="331"/>
+            <ac:spMk id="2" creationId="{BFF26262-655E-405F-BF25-0BD14DFB0BF3}"/>
+          </ac:spMkLst>
+        </pc:spChg>
+        <pc:spChg chg="del">
+          <ac:chgData name="Matthew Suderman" userId="2709995e-3ea8-4fb0-9b62-eb8034dec529" providerId="ADAL" clId="{4929D89B-CC43-4C41-92A5-3ABC52AE066B}" dt="2021-05-09T22:17:39.797" v="5855" actId="478"/>
+          <ac:spMkLst>
+            <pc:docMk/>
+            <pc:sldMk cId="1426400336" sldId="331"/>
+            <ac:spMk id="4" creationId="{2155FD75-D4FF-4333-AB61-CD4E3E486A41}"/>
+          </ac:spMkLst>
+        </pc:spChg>
+        <pc:spChg chg="add del mod">
+          <ac:chgData name="Matthew Suderman" userId="2709995e-3ea8-4fb0-9b62-eb8034dec529" providerId="ADAL" clId="{4929D89B-CC43-4C41-92A5-3ABC52AE066B}" dt="2021-05-09T22:17:44.905" v="5856" actId="478"/>
+          <ac:spMkLst>
+            <pc:docMk/>
+            <pc:sldMk cId="1426400336" sldId="331"/>
+            <ac:spMk id="6" creationId="{F3A76438-8F0C-4C33-8F2F-CF7391262DBE}"/>
+          </ac:spMkLst>
+        </pc:spChg>
+        <pc:spChg chg="add mod">
+          <ac:chgData name="Matthew Suderman" userId="2709995e-3ea8-4fb0-9b62-eb8034dec529" providerId="ADAL" clId="{4929D89B-CC43-4C41-92A5-3ABC52AE066B}" dt="2021-05-09T22:32:59.912" v="6238" actId="1035"/>
+          <ac:spMkLst>
+            <pc:docMk/>
+            <pc:sldMk cId="1426400336" sldId="331"/>
+            <ac:spMk id="8" creationId="{A7D1AB57-FB88-4070-9EF2-8C614C14549D}"/>
+          </ac:spMkLst>
+        </pc:spChg>
+        <pc:spChg chg="add mod">
+          <ac:chgData name="Matthew Suderman" userId="2709995e-3ea8-4fb0-9b62-eb8034dec529" providerId="ADAL" clId="{4929D89B-CC43-4C41-92A5-3ABC52AE066B}" dt="2021-05-09T22:32:59.912" v="6238" actId="1035"/>
+          <ac:spMkLst>
+            <pc:docMk/>
+            <pc:sldMk cId="1426400336" sldId="331"/>
+            <ac:spMk id="9" creationId="{A417B16F-6699-4C4E-9938-6B37789BB45D}"/>
+          </ac:spMkLst>
+        </pc:spChg>
+        <pc:spChg chg="add mod">
+          <ac:chgData name="Matthew Suderman" userId="2709995e-3ea8-4fb0-9b62-eb8034dec529" providerId="ADAL" clId="{4929D89B-CC43-4C41-92A5-3ABC52AE066B}" dt="2021-05-09T22:33:56.889" v="6271" actId="113"/>
+          <ac:spMkLst>
+            <pc:docMk/>
+            <pc:sldMk cId="1426400336" sldId="331"/>
+            <ac:spMk id="11" creationId="{02845647-7411-4BA2-9757-1FE0DF62AA38}"/>
+          </ac:spMkLst>
+        </pc:spChg>
+        <pc:picChg chg="del">
+          <ac:chgData name="Matthew Suderman" userId="2709995e-3ea8-4fb0-9b62-eb8034dec529" providerId="ADAL" clId="{4929D89B-CC43-4C41-92A5-3ABC52AE066B}" dt="2021-05-09T22:17:35.931" v="5854" actId="478"/>
+          <ac:picMkLst>
+            <pc:docMk/>
+            <pc:sldMk cId="1426400336" sldId="331"/>
+            <ac:picMk id="3" creationId="{EC50822E-B7AF-4C7D-9800-892746F4A766}"/>
+          </ac:picMkLst>
+        </pc:picChg>
+        <pc:picChg chg="add mod">
+          <ac:chgData name="Matthew Suderman" userId="2709995e-3ea8-4fb0-9b62-eb8034dec529" providerId="ADAL" clId="{4929D89B-CC43-4C41-92A5-3ABC52AE066B}" dt="2021-05-09T22:33:27.124" v="6248" actId="1035"/>
+          <ac:picMkLst>
+            <pc:docMk/>
+            <pc:sldMk cId="1426400336" sldId="331"/>
+            <ac:picMk id="7170" creationId="{398FA060-8571-4E9E-9CA2-73A146302439}"/>
+          </ac:picMkLst>
+        </pc:picChg>
+      </pc:sldChg>
+      <pc:sldChg chg="addSp delSp modSp add mod">
+        <pc:chgData name="Matthew Suderman" userId="2709995e-3ea8-4fb0-9b62-eb8034dec529" providerId="ADAL" clId="{4929D89B-CC43-4C41-92A5-3ABC52AE066B}" dt="2021-05-09T22:32:15.896" v="6232" actId="20577"/>
+        <pc:sldMkLst>
+          <pc:docMk/>
+          <pc:sldMk cId="3070378642" sldId="332"/>
+        </pc:sldMkLst>
+        <pc:spChg chg="mod">
+          <ac:chgData name="Matthew Suderman" userId="2709995e-3ea8-4fb0-9b62-eb8034dec529" providerId="ADAL" clId="{4929D89B-CC43-4C41-92A5-3ABC52AE066B}" dt="2021-05-09T22:32:15.896" v="6232" actId="20577"/>
+          <ac:spMkLst>
+            <pc:docMk/>
+            <pc:sldMk cId="3070378642" sldId="332"/>
+            <ac:spMk id="2" creationId="{BFF26262-655E-405F-BF25-0BD14DFB0BF3}"/>
+          </ac:spMkLst>
+        </pc:spChg>
+        <pc:spChg chg="del">
+          <ac:chgData name="Matthew Suderman" userId="2709995e-3ea8-4fb0-9b62-eb8034dec529" providerId="ADAL" clId="{4929D89B-CC43-4C41-92A5-3ABC52AE066B}" dt="2021-05-09T22:24:34.901" v="6027" actId="478"/>
+          <ac:spMkLst>
+            <pc:docMk/>
+            <pc:sldMk cId="3070378642" sldId="332"/>
+            <ac:spMk id="4" creationId="{2155FD75-D4FF-4333-AB61-CD4E3E486A41}"/>
+          </ac:spMkLst>
+        </pc:spChg>
+        <pc:spChg chg="add mod">
+          <ac:chgData name="Matthew Suderman" userId="2709995e-3ea8-4fb0-9b62-eb8034dec529" providerId="ADAL" clId="{4929D89B-CC43-4C41-92A5-3ABC52AE066B}" dt="2021-05-09T22:26:45.005" v="6149" actId="20577"/>
+          <ac:spMkLst>
+            <pc:docMk/>
+            <pc:sldMk cId="3070378642" sldId="332"/>
+            <ac:spMk id="6" creationId="{44CFBDE3-E17E-4171-A1D3-B1DC9F89B252}"/>
+          </ac:spMkLst>
+        </pc:spChg>
+        <pc:picChg chg="del">
+          <ac:chgData name="Matthew Suderman" userId="2709995e-3ea8-4fb0-9b62-eb8034dec529" providerId="ADAL" clId="{4929D89B-CC43-4C41-92A5-3ABC52AE066B}" dt="2021-05-09T22:24:37.679" v="6028" actId="478"/>
+          <ac:picMkLst>
+            <pc:docMk/>
+            <pc:sldMk cId="3070378642" sldId="332"/>
+            <ac:picMk id="3" creationId="{EC50822E-B7AF-4C7D-9800-892746F4A766}"/>
+          </ac:picMkLst>
+        </pc:picChg>
+        <pc:picChg chg="add mod">
+          <ac:chgData name="Matthew Suderman" userId="2709995e-3ea8-4fb0-9b62-eb8034dec529" providerId="ADAL" clId="{4929D89B-CC43-4C41-92A5-3ABC52AE066B}" dt="2021-05-09T22:26:53.398" v="6151" actId="1076"/>
+          <ac:picMkLst>
+            <pc:docMk/>
+            <pc:sldMk cId="3070378642" sldId="332"/>
+            <ac:picMk id="8194" creationId="{7FD29078-425B-4474-ACF8-C3ABBC680783}"/>
+          </ac:picMkLst>
+        </pc:picChg>
+      </pc:sldChg>
+      <pc:sldMasterChg chg="addSp delSp modSp mod">
+        <pc:chgData name="Matthew Suderman" userId="2709995e-3ea8-4fb0-9b62-eb8034dec529" providerId="ADAL" clId="{4929D89B-CC43-4C41-92A5-3ABC52AE066B}" dt="2021-05-08T21:24:35.655" v="32" actId="1038"/>
+        <pc:sldMasterMkLst>
+          <pc:docMk/>
+          <pc:sldMasterMk cId="0" sldId="2147483648"/>
+        </pc:sldMasterMkLst>
+        <pc:picChg chg="add del mod">
+          <ac:chgData name="Matthew Suderman" userId="2709995e-3ea8-4fb0-9b62-eb8034dec529" providerId="ADAL" clId="{4929D89B-CC43-4C41-92A5-3ABC52AE066B}" dt="2021-05-08T21:23:32.488" v="3" actId="478"/>
+          <ac:picMkLst>
+            <pc:docMk/>
+            <pc:sldMasterMk cId="0" sldId="2147483648"/>
+            <ac:picMk id="4" creationId="{69045306-24DF-4262-9C0C-B6FCB3EE29BD}"/>
+          </ac:picMkLst>
+        </pc:picChg>
+        <pc:picChg chg="add mod">
+          <ac:chgData name="Matthew Suderman" userId="2709995e-3ea8-4fb0-9b62-eb8034dec529" providerId="ADAL" clId="{4929D89B-CC43-4C41-92A5-3ABC52AE066B}" dt="2021-05-08T21:24:35.655" v="32" actId="1038"/>
+          <ac:picMkLst>
+            <pc:docMk/>
+            <pc:sldMasterMk cId="0" sldId="2147483648"/>
+            <ac:picMk id="7" creationId="{77226A00-C8B1-43FE-8F27-8BAE794011B4}"/>
+          </ac:picMkLst>
+        </pc:picChg>
+      </pc:sldMasterChg>
+      <pc:sldMasterChg chg="modSp">
+        <pc:chgData name="Matthew Suderman" userId="2709995e-3ea8-4fb0-9b62-eb8034dec529" providerId="ADAL" clId="{4929D89B-CC43-4C41-92A5-3ABC52AE066B}" dt="2021-05-08T23:10:15.682" v="1748" actId="207"/>
+        <pc:sldMasterMkLst>
+          <pc:docMk/>
+          <pc:sldMasterMk cId="0" sldId="2147483654"/>
+        </pc:sldMasterMkLst>
+        <pc:spChg chg="mod">
+          <ac:chgData name="Matthew Suderman" userId="2709995e-3ea8-4fb0-9b62-eb8034dec529" providerId="ADAL" clId="{4929D89B-CC43-4C41-92A5-3ABC52AE066B}" dt="2021-05-08T23:10:15.682" v="1748" actId="207"/>
+          <ac:spMkLst>
+            <pc:docMk/>
+            <pc:sldMasterMk cId="0" sldId="2147483654"/>
+            <ac:spMk id="421891" creationId="{00000000-0000-0000-0000-000000000000}"/>
+          </ac:spMkLst>
+        </pc:spChg>
+      </pc:sldMasterChg>
     </pc:docChg>
   </pc:docChgLst>
 </pc:chgInfo>
@@ -4500,6 +4612,426 @@
       </p:grpSpPr>
       <p:sp>
         <p:nvSpPr>
+          <p:cNvPr id="6" name="Content Placeholder 2">
+            <a:extLst>
+              <a:ext uri="{FF2B5EF4-FFF2-40B4-BE49-F238E27FC236}">
+                <a16:creationId xmlns:a16="http://schemas.microsoft.com/office/drawing/2014/main" id="{936E5375-F5D5-4388-AB74-94AC4A656D0B}"/>
+              </a:ext>
+            </a:extLst>
+          </p:cNvPr>
+          <p:cNvSpPr txBox="1">
+            <a:spLocks/>
+          </p:cNvSpPr>
+          <p:nvPr/>
+        </p:nvSpPr>
+        <p:spPr bwMode="auto">
+          <a:xfrm>
+            <a:off x="609600" y="1270394"/>
+            <a:ext cx="10871200" cy="5198806"/>
+          </a:xfrm>
+          <a:prstGeom prst="rect">
+            <a:avLst/>
+          </a:prstGeom>
+          <a:noFill/>
+          <a:ln w="9525">
+            <a:noFill/>
+            <a:miter lim="800000"/>
+            <a:headEnd/>
+            <a:tailEnd/>
+          </a:ln>
+          <a:effectLst/>
+        </p:spPr>
+        <p:txBody>
+          <a:bodyPr vert="horz" wrap="square" lIns="91440" tIns="45720" rIns="91440" bIns="45720" numCol="1" anchor="t" anchorCtr="0" compatLnSpc="1">
+            <a:prstTxWarp prst="textNoShape">
+              <a:avLst/>
+            </a:prstTxWarp>
+          </a:bodyPr>
+          <a:lstStyle>
+            <a:lvl1pPr marL="342900" indent="-342900" algn="l" rtl="0" fontAlgn="base">
+              <a:spcBef>
+                <a:spcPct val="20000"/>
+              </a:spcBef>
+              <a:spcAft>
+                <a:spcPct val="0"/>
+              </a:spcAft>
+              <a:buClr>
+                <a:schemeClr val="tx2"/>
+              </a:buClr>
+              <a:buChar char="•"/>
+              <a:defRPr sz="2000">
+                <a:solidFill>
+                  <a:schemeClr val="tx1"/>
+                </a:solidFill>
+                <a:latin typeface="+mn-lt"/>
+                <a:ea typeface="+mn-ea"/>
+                <a:cs typeface="+mn-cs"/>
+              </a:defRPr>
+            </a:lvl1pPr>
+            <a:lvl2pPr marL="742950" indent="-285750" algn="l" rtl="0" fontAlgn="base">
+              <a:spcBef>
+                <a:spcPct val="20000"/>
+              </a:spcBef>
+              <a:spcAft>
+                <a:spcPct val="0"/>
+              </a:spcAft>
+              <a:buClr>
+                <a:schemeClr val="tx2"/>
+              </a:buClr>
+              <a:buChar char="•"/>
+              <a:defRPr sz="2000">
+                <a:solidFill>
+                  <a:schemeClr val="tx1"/>
+                </a:solidFill>
+                <a:latin typeface="+mn-lt"/>
+                <a:ea typeface="ＭＳ Ｐゴシック" pitchFamily="-1" charset="-128"/>
+              </a:defRPr>
+            </a:lvl2pPr>
+            <a:lvl3pPr marL="1143000" indent="-228600" algn="l" rtl="0" fontAlgn="base">
+              <a:spcBef>
+                <a:spcPct val="20000"/>
+              </a:spcBef>
+              <a:spcAft>
+                <a:spcPct val="0"/>
+              </a:spcAft>
+              <a:buClr>
+                <a:schemeClr val="tx2"/>
+              </a:buClr>
+              <a:buChar char="•"/>
+              <a:defRPr>
+                <a:solidFill>
+                  <a:schemeClr val="tx1"/>
+                </a:solidFill>
+                <a:latin typeface="+mn-lt"/>
+                <a:ea typeface="ＭＳ Ｐゴシック" pitchFamily="-1" charset="-128"/>
+              </a:defRPr>
+            </a:lvl3pPr>
+            <a:lvl4pPr marL="1562100" indent="-228600" algn="l" rtl="0" fontAlgn="base">
+              <a:spcBef>
+                <a:spcPct val="20000"/>
+              </a:spcBef>
+              <a:spcAft>
+                <a:spcPct val="0"/>
+              </a:spcAft>
+              <a:buClr>
+                <a:schemeClr val="tx2"/>
+              </a:buClr>
+              <a:buChar char="–"/>
+              <a:defRPr>
+                <a:solidFill>
+                  <a:schemeClr val="tx1"/>
+                </a:solidFill>
+                <a:latin typeface="+mn-lt"/>
+                <a:ea typeface="ＭＳ Ｐゴシック" pitchFamily="-1" charset="-128"/>
+              </a:defRPr>
+            </a:lvl4pPr>
+            <a:lvl5pPr marL="1981200" indent="-228600" algn="l" rtl="0" fontAlgn="base">
+              <a:spcBef>
+                <a:spcPct val="20000"/>
+              </a:spcBef>
+              <a:spcAft>
+                <a:spcPct val="0"/>
+              </a:spcAft>
+              <a:buClr>
+                <a:schemeClr val="tx2"/>
+              </a:buClr>
+              <a:buChar char="»"/>
+              <a:defRPr i="1">
+                <a:solidFill>
+                  <a:schemeClr val="tx1"/>
+                </a:solidFill>
+                <a:latin typeface="+mn-lt"/>
+                <a:ea typeface="ＭＳ Ｐゴシック" pitchFamily="-1" charset="-128"/>
+              </a:defRPr>
+            </a:lvl5pPr>
+            <a:lvl6pPr marL="2438400" indent="-228600" algn="l" rtl="0" fontAlgn="base">
+              <a:spcBef>
+                <a:spcPct val="20000"/>
+              </a:spcBef>
+              <a:spcAft>
+                <a:spcPct val="0"/>
+              </a:spcAft>
+              <a:buClr>
+                <a:srgbClr val="920049"/>
+              </a:buClr>
+              <a:buChar char="»"/>
+              <a:defRPr i="1">
+                <a:solidFill>
+                  <a:schemeClr val="tx1"/>
+                </a:solidFill>
+                <a:latin typeface="+mn-lt"/>
+                <a:ea typeface="ＭＳ Ｐゴシック" pitchFamily="-1" charset="-128"/>
+              </a:defRPr>
+            </a:lvl6pPr>
+            <a:lvl7pPr marL="2895600" indent="-228600" algn="l" rtl="0" fontAlgn="base">
+              <a:spcBef>
+                <a:spcPct val="20000"/>
+              </a:spcBef>
+              <a:spcAft>
+                <a:spcPct val="0"/>
+              </a:spcAft>
+              <a:buClr>
+                <a:srgbClr val="920049"/>
+              </a:buClr>
+              <a:buChar char="»"/>
+              <a:defRPr i="1">
+                <a:solidFill>
+                  <a:schemeClr val="tx1"/>
+                </a:solidFill>
+                <a:latin typeface="+mn-lt"/>
+                <a:ea typeface="ＭＳ Ｐゴシック" pitchFamily="-1" charset="-128"/>
+              </a:defRPr>
+            </a:lvl7pPr>
+            <a:lvl8pPr marL="3352800" indent="-228600" algn="l" rtl="0" fontAlgn="base">
+              <a:spcBef>
+                <a:spcPct val="20000"/>
+              </a:spcBef>
+              <a:spcAft>
+                <a:spcPct val="0"/>
+              </a:spcAft>
+              <a:buClr>
+                <a:srgbClr val="920049"/>
+              </a:buClr>
+              <a:buChar char="»"/>
+              <a:defRPr i="1">
+                <a:solidFill>
+                  <a:schemeClr val="tx1"/>
+                </a:solidFill>
+                <a:latin typeface="+mn-lt"/>
+                <a:ea typeface="ＭＳ Ｐゴシック" pitchFamily="-1" charset="-128"/>
+              </a:defRPr>
+            </a:lvl8pPr>
+            <a:lvl9pPr marL="3810000" indent="-228600" algn="l" rtl="0" fontAlgn="base">
+              <a:spcBef>
+                <a:spcPct val="20000"/>
+              </a:spcBef>
+              <a:spcAft>
+                <a:spcPct val="0"/>
+              </a:spcAft>
+              <a:buClr>
+                <a:srgbClr val="920049"/>
+              </a:buClr>
+              <a:buChar char="»"/>
+              <a:defRPr i="1">
+                <a:solidFill>
+                  <a:schemeClr val="tx1"/>
+                </a:solidFill>
+                <a:latin typeface="+mn-lt"/>
+                <a:ea typeface="ＭＳ Ｐゴシック" pitchFamily="-1" charset="-128"/>
+              </a:defRPr>
+            </a:lvl9pPr>
+          </a:lstStyle>
+          <a:p>
+            <a:pPr marL="0" indent="0" eaLnBrk="1" hangingPunct="1">
+              <a:buFontTx/>
+              <a:buNone/>
+            </a:pPr>
+            <a:r>
+              <a:rPr lang="en-GB" kern="0" dirty="0" err="1"/>
+              <a:t>Buchka</a:t>
+            </a:r>
+            <a:r>
+              <a:rPr lang="en-GB" kern="0" dirty="0"/>
+              <a:t> S, et al. </a:t>
+            </a:r>
+            <a:r>
+              <a:rPr lang="en-GB" b="1" kern="0" dirty="0"/>
+              <a:t>On the optimistic performance evaluation of newly introduced bioinformatic methods</a:t>
+            </a:r>
+            <a:r>
+              <a:rPr lang="en-GB" kern="0" dirty="0"/>
+              <a:t>. Genome Biol. 2021 May 11;22(1):152.</a:t>
+            </a:r>
+            <a:endParaRPr lang="en-US" dirty="0"/>
+          </a:p>
+          <a:p>
+            <a:pPr marL="0" indent="0" eaLnBrk="1" hangingPunct="1">
+              <a:buFontTx/>
+              <a:buNone/>
+            </a:pPr>
+            <a:endParaRPr lang="en-GB" kern="0" dirty="0"/>
+          </a:p>
+          <a:p>
+            <a:pPr marL="0" indent="0" eaLnBrk="1" hangingPunct="1">
+              <a:buFontTx/>
+              <a:buNone/>
+            </a:pPr>
+            <a:endParaRPr lang="en-GB" kern="0" dirty="0"/>
+          </a:p>
+        </p:txBody>
+      </p:sp>
+      <p:sp>
+        <p:nvSpPr>
+          <p:cNvPr id="2" name="Title 1">
+            <a:extLst>
+              <a:ext uri="{FF2B5EF4-FFF2-40B4-BE49-F238E27FC236}">
+                <a16:creationId xmlns:a16="http://schemas.microsoft.com/office/drawing/2014/main" id="{FCBCF327-34D9-4D45-AE1C-27F3325A2D86}"/>
+              </a:ext>
+            </a:extLst>
+          </p:cNvPr>
+          <p:cNvSpPr>
+            <a:spLocks noGrp="1"/>
+          </p:cNvSpPr>
+          <p:nvPr>
+            <p:ph type="title"/>
+          </p:nvPr>
+        </p:nvSpPr>
+        <p:spPr/>
+        <p:txBody>
+          <a:bodyPr/>
+          <a:lstStyle/>
+          <a:p>
+            <a:r>
+              <a:rPr lang="en-US" dirty="0">
+                <a:cs typeface="Arial"/>
+              </a:rPr>
+              <a:t>Methods</a:t>
+            </a:r>
+            <a:endParaRPr lang="en-US" dirty="0"/>
+          </a:p>
+        </p:txBody>
+      </p:sp>
+      <p:pic>
+        <p:nvPicPr>
+          <p:cNvPr id="9" name="Picture 9">
+            <a:extLst>
+              <a:ext uri="{FF2B5EF4-FFF2-40B4-BE49-F238E27FC236}">
+                <a16:creationId xmlns:a16="http://schemas.microsoft.com/office/drawing/2014/main" id="{75F018F0-2107-4E9C-A414-DAA51B8D4737}"/>
+              </a:ext>
+            </a:extLst>
+          </p:cNvPr>
+          <p:cNvPicPr>
+            <a:picLocks noGrp="1" noChangeAspect="1"/>
+          </p:cNvPicPr>
+          <p:nvPr>
+            <p:ph idx="1"/>
+          </p:nvPr>
+        </p:nvPicPr>
+        <p:blipFill>
+          <a:blip r:embed="rId2"/>
+          <a:stretch>
+            <a:fillRect/>
+          </a:stretch>
+        </p:blipFill>
+        <p:spPr>
+          <a:xfrm>
+            <a:off x="611160" y="1897200"/>
+            <a:ext cx="7979852" cy="4387645"/>
+          </a:xfrm>
+        </p:spPr>
+      </p:pic>
+      <p:sp>
+        <p:nvSpPr>
+          <p:cNvPr id="10" name="TextBox 9">
+            <a:extLst>
+              <a:ext uri="{FF2B5EF4-FFF2-40B4-BE49-F238E27FC236}">
+                <a16:creationId xmlns:a16="http://schemas.microsoft.com/office/drawing/2014/main" id="{4BEEEBB7-8A1A-4B39-8B57-17662F4186C0}"/>
+              </a:ext>
+            </a:extLst>
+          </p:cNvPr>
+          <p:cNvSpPr txBox="1"/>
+          <p:nvPr/>
+        </p:nvSpPr>
+        <p:spPr>
+          <a:xfrm>
+            <a:off x="8853948" y="1897626"/>
+            <a:ext cx="3075038" cy="4801314"/>
+          </a:xfrm>
+          <a:prstGeom prst="rect">
+            <a:avLst/>
+          </a:prstGeom>
+          <a:noFill/>
+        </p:spPr>
+        <p:txBody>
+          <a:bodyPr rot="0" spcFirstLastPara="0" vertOverflow="overflow" horzOverflow="overflow" vert="horz" wrap="square" lIns="91440" tIns="45720" rIns="91440" bIns="45720" numCol="1" spcCol="0" rtlCol="0" fromWordArt="0" anchor="t" anchorCtr="0" forceAA="0" compatLnSpc="1">
+            <a:prstTxWarp prst="textNoShape">
+              <a:avLst/>
+            </a:prstTxWarp>
+            <a:spAutoFit/>
+          </a:bodyPr>
+          <a:lstStyle/>
+          <a:p>
+            <a:r>
+              <a:rPr lang="en-US" sz="1800" dirty="0">
+                <a:solidFill>
+                  <a:srgbClr val="333333"/>
+                </a:solidFill>
+                <a:latin typeface="Arial"/>
+                <a:cs typeface="Arial"/>
+              </a:rPr>
+              <a:t>"For authors to feel comfortable reporting balanced results and detailing the weaknesses of their new methods, the acceptance of nuanced pictures and open statements must increase."</a:t>
+            </a:r>
+          </a:p>
+          <a:p>
+            <a:endParaRPr lang="en-US" sz="1800" dirty="0">
+              <a:solidFill>
+                <a:srgbClr val="333333"/>
+              </a:solidFill>
+              <a:latin typeface="Arial"/>
+              <a:cs typeface="Arial"/>
+            </a:endParaRPr>
+          </a:p>
+          <a:p>
+            <a:r>
+              <a:rPr lang="en-US" sz="1800" dirty="0">
+                <a:solidFill>
+                  <a:srgbClr val="333333"/>
+                </a:solidFill>
+                <a:latin typeface="Arial"/>
+                <a:cs typeface="Arial"/>
+              </a:rPr>
+              <a:t>"</a:t>
+            </a:r>
+            <a:r>
+              <a:rPr lang="en-US" sz="1800" dirty="0">
+                <a:latin typeface="Arial"/>
+                <a:cs typeface="Times"/>
+              </a:rPr>
+              <a:t>the general scientific community and the journals in particular can play a positive role by acknowledging that neutral method-comparison studies are valuable research contributions"</a:t>
+            </a:r>
+            <a:endParaRPr lang="en-US" sz="1800" dirty="0">
+              <a:solidFill>
+                <a:srgbClr val="333333"/>
+              </a:solidFill>
+              <a:latin typeface="Arial"/>
+              <a:cs typeface="Arial"/>
+            </a:endParaRPr>
+          </a:p>
+        </p:txBody>
+      </p:sp>
+    </p:spTree>
+    <p:extLst>
+      <p:ext uri="{BB962C8B-B14F-4D97-AF65-F5344CB8AC3E}">
+        <p14:creationId xmlns:p14="http://schemas.microsoft.com/office/powerpoint/2010/main" val="1631015651"/>
+      </p:ext>
+    </p:extLst>
+  </p:cSld>
+  <p:clrMapOvr>
+    <a:masterClrMapping/>
+  </p:clrMapOvr>
+  <p:transition spd="med"/>
+</p:sld>
+</file>
+
+<file path=ppt/slides/slide11.xml><?xml version="1.0" encoding="utf-8"?>
+<p:sld xmlns:a="http://schemas.openxmlformats.org/drawingml/2006/main" xmlns:r="http://schemas.openxmlformats.org/officeDocument/2006/relationships" xmlns:p="http://schemas.openxmlformats.org/presentationml/2006/main">
+  <p:cSld>
+    <p:spTree>
+      <p:nvGrpSpPr>
+        <p:cNvPr id="1" name=""/>
+        <p:cNvGrpSpPr/>
+        <p:nvPr/>
+      </p:nvGrpSpPr>
+      <p:grpSpPr>
+        <a:xfrm>
+          <a:off x="0" y="0"/>
+          <a:ext cx="0" cy="0"/>
+          <a:chOff x="0" y="0"/>
+          <a:chExt cx="0" cy="0"/>
+        </a:xfrm>
+      </p:grpSpPr>
+      <p:sp>
+        <p:nvSpPr>
           <p:cNvPr id="2" name="Title 1">
             <a:extLst>
               <a:ext uri="{FF2B5EF4-FFF2-40B4-BE49-F238E27FC236}">
@@ -4543,7 +5075,12 @@
             <p:ph idx="1"/>
           </p:nvPr>
         </p:nvSpPr>
-        <p:spPr/>
+        <p:spPr>
+          <a:xfrm>
+            <a:off x="609600" y="1319555"/>
+            <a:ext cx="10871200" cy="5149645"/>
+          </a:xfrm>
+        </p:spPr>
         <p:txBody>
           <a:bodyPr/>
           <a:lstStyle/>
@@ -4623,6 +5160,9 @@
               <a:rPr lang="en-GB" dirty="0"/>
               <a:t> only 141 identified previously)</a:t>
             </a:r>
+            <a:endParaRPr lang="en-GB" dirty="0">
+              <a:cs typeface="Arial"/>
+            </a:endParaRPr>
           </a:p>
           <a:p>
             <a:pPr marL="0" indent="0">
@@ -4635,39 +5175,8 @@
               <a:buNone/>
             </a:pPr>
             <a:r>
-              <a:rPr lang="en-GB" dirty="0" err="1"/>
-              <a:t>Buchka</a:t>
-            </a:r>
-            <a:r>
               <a:rPr lang="en-GB" dirty="0"/>
-              <a:t> S, et al. </a:t>
-            </a:r>
-            <a:r>
-              <a:rPr lang="en-GB" b="1" dirty="0"/>
-              <a:t>On the optimistic performance evaluation of newly introduced bioinformatic methods</a:t>
-            </a:r>
-            <a:r>
-              <a:rPr lang="en-GB" dirty="0"/>
-              <a:t>. Genome Biol. 2021 May 11;22(1):152.</a:t>
-            </a:r>
-          </a:p>
-          <a:p>
-            <a:pPr marL="0" indent="0">
-              <a:buNone/>
-            </a:pPr>
-            <a:endParaRPr lang="en-GB" dirty="0"/>
-          </a:p>
-          <a:p>
-            <a:pPr marL="0" indent="0">
-              <a:buNone/>
-            </a:pPr>
-            <a:r>
-              <a:rPr lang="en-GB" dirty="0" err="1"/>
-              <a:t>Talukder</a:t>
-            </a:r>
-            <a:r>
-              <a:rPr lang="en-GB" dirty="0"/>
-              <a:t> A, Barham C, Li X, Hu H. </a:t>
+              <a:t>Talukder A, Barham C, Li X, Hu H. </a:t>
             </a:r>
             <a:r>
               <a:rPr lang="en-GB" b="1" dirty="0"/>
@@ -4728,7 +5237,7 @@
 </p:sld>
 </file>
 
-<file path=ppt/slides/slide11.xml><?xml version="1.0" encoding="utf-8"?>
+<file path=ppt/slides/slide12.xml><?xml version="1.0" encoding="utf-8"?>
 <p:sld xmlns:a="http://schemas.openxmlformats.org/drawingml/2006/main" xmlns:r="http://schemas.openxmlformats.org/officeDocument/2006/relationships" xmlns:p="http://schemas.openxmlformats.org/presentationml/2006/main">
   <p:cSld>
     <p:spTree>
@@ -7441,7 +7950,9 @@
               <a:rPr lang="en-US" dirty="0"/>
               <a:t>Omics analysis of hypertension and the kidney</a:t>
             </a:r>
-            <a:endParaRPr lang="en-GB" dirty="0"/>
+            <a:endParaRPr lang="en-US" dirty="0">
+              <a:cs typeface="Arial"/>
+            </a:endParaRPr>
           </a:p>
         </p:txBody>
       </p:sp>
@@ -9947,18 +10458,18 @@
 </file>
 
 <file path=customXml/item1.xml><?xml version="1.0" encoding="utf-8"?>
+<p:properties xmlns:p="http://schemas.microsoft.com/office/2006/metadata/properties" xmlns:xsi="http://www.w3.org/2001/XMLSchema-instance" xmlns:pc="http://schemas.microsoft.com/office/infopath/2007/PartnerControls">
+  <documentManagement/>
+</p:properties>
+</file>
+
+<file path=customXml/item2.xml><?xml version="1.0" encoding="utf-8"?>
 <?mso-contentType ?>
 <FormTemplates xmlns="http://schemas.microsoft.com/sharepoint/v3/contenttype/forms">
   <Display>DocumentLibraryForm</Display>
   <Edit>DocumentLibraryForm</Edit>
   <New>DocumentLibraryForm</New>
 </FormTemplates>
-</file>
-
-<file path=customXml/item2.xml><?xml version="1.0" encoding="utf-8"?>
-<p:properties xmlns:p="http://schemas.microsoft.com/office/2006/metadata/properties" xmlns:xsi="http://www.w3.org/2001/XMLSchema-instance" xmlns:pc="http://schemas.microsoft.com/office/infopath/2007/PartnerControls">
-  <documentManagement/>
-</p:properties>
 </file>
 
 <file path=customXml/item3.xml><?xml version="1.0" encoding="utf-8"?>
@@ -10108,18 +10619,18 @@
 </file>
 
 <file path=customXml/itemProps1.xml><?xml version="1.0" encoding="utf-8"?>
-<ds:datastoreItem xmlns:ds="http://schemas.openxmlformats.org/officeDocument/2006/customXml" ds:itemID="{3AA12886-63C9-4300-8B68-1ADB4934159B}">
+<ds:datastoreItem xmlns:ds="http://schemas.openxmlformats.org/officeDocument/2006/customXml" ds:itemID="{958A2EA8-4641-42F6-A17F-431287DED999}">
   <ds:schemaRefs>
-    <ds:schemaRef ds:uri="http://schemas.microsoft.com/sharepoint/v3/contenttype/forms"/>
+    <ds:schemaRef ds:uri="http://schemas.microsoft.com/office/2006/metadata/properties"/>
+    <ds:schemaRef ds:uri="http://schemas.microsoft.com/office/infopath/2007/PartnerControls"/>
   </ds:schemaRefs>
 </ds:datastoreItem>
 </file>
 
 <file path=customXml/itemProps2.xml><?xml version="1.0" encoding="utf-8"?>
-<ds:datastoreItem xmlns:ds="http://schemas.openxmlformats.org/officeDocument/2006/customXml" ds:itemID="{958A2EA8-4641-42F6-A17F-431287DED999}">
+<ds:datastoreItem xmlns:ds="http://schemas.openxmlformats.org/officeDocument/2006/customXml" ds:itemID="{3AA12886-63C9-4300-8B68-1ADB4934159B}">
   <ds:schemaRefs>
-    <ds:schemaRef ds:uri="http://schemas.microsoft.com/office/2006/metadata/properties"/>
-    <ds:schemaRef ds:uri="http://schemas.microsoft.com/office/infopath/2007/PartnerControls"/>
+    <ds:schemaRef ds:uri="http://schemas.microsoft.com/sharepoint/v3/contenttype/forms"/>
   </ds:schemaRefs>
 </ds:datastoreItem>
 </file>
